--- a/resources/chapter 11 summary.pptx
+++ b/resources/chapter 11 summary.pptx
@@ -5,7 +5,7 @@
     <p:sldMasterId id="2147483648" r:id="rId1"/>
   </p:sldMasterIdLst>
   <p:notesMasterIdLst>
-    <p:notesMasterId r:id="rId7"/>
+    <p:notesMasterId r:id="rId10"/>
   </p:notesMasterIdLst>
   <p:sldIdLst>
     <p:sldId id="263" r:id="rId2"/>
@@ -13,6 +13,9 @@
     <p:sldId id="321" r:id="rId4"/>
     <p:sldId id="322" r:id="rId5"/>
     <p:sldId id="323" r:id="rId6"/>
+    <p:sldId id="324" r:id="rId7"/>
+    <p:sldId id="325" r:id="rId8"/>
+    <p:sldId id="326" r:id="rId9"/>
   </p:sldIdLst>
   <p:sldSz cx="12192000" cy="6858000"/>
   <p:notesSz cx="6858000" cy="9144000"/>
@@ -796,6 +799,258 @@
     <p:extLst>
       <p:ext uri="{BB962C8B-B14F-4D97-AF65-F5344CB8AC3E}">
         <p14:creationId xmlns:p14="http://schemas.microsoft.com/office/powerpoint/2010/main" val="2963618018"/>
+      </p:ext>
+    </p:extLst>
+  </p:cSld>
+  <p:clrMapOvr>
+    <a:masterClrMapping/>
+  </p:clrMapOvr>
+</p:notes>
+</file>
+
+<file path=ppt/notesSlides/notesSlide5.xml><?xml version="1.0" encoding="utf-8"?>
+<p:notes xmlns:a="http://schemas.openxmlformats.org/drawingml/2006/main" xmlns:r="http://schemas.openxmlformats.org/officeDocument/2006/relationships" xmlns:p="http://schemas.openxmlformats.org/presentationml/2006/main">
+  <p:cSld>
+    <p:spTree>
+      <p:nvGrpSpPr>
+        <p:cNvPr id="1" name=""/>
+        <p:cNvGrpSpPr/>
+        <p:nvPr/>
+      </p:nvGrpSpPr>
+      <p:grpSpPr>
+        <a:xfrm>
+          <a:off x="0" y="0"/>
+          <a:ext cx="0" cy="0"/>
+          <a:chOff x="0" y="0"/>
+          <a:chExt cx="0" cy="0"/>
+        </a:xfrm>
+      </p:grpSpPr>
+      <p:sp>
+        <p:nvSpPr>
+          <p:cNvPr id="2" name="슬라이드 이미지 개체 틀 1"/>
+          <p:cNvSpPr>
+            <a:spLocks noGrp="1" noRot="1" noChangeAspect="1"/>
+          </p:cNvSpPr>
+          <p:nvPr>
+            <p:ph type="sldImg"/>
+          </p:nvPr>
+        </p:nvSpPr>
+        <p:spPr/>
+      </p:sp>
+      <p:sp>
+        <p:nvSpPr>
+          <p:cNvPr id="3" name="슬라이드 노트 개체 틀 2"/>
+          <p:cNvSpPr>
+            <a:spLocks noGrp="1"/>
+          </p:cNvSpPr>
+          <p:nvPr>
+            <p:ph type="body" idx="1"/>
+          </p:nvPr>
+        </p:nvSpPr>
+        <p:spPr/>
+        <p:txBody>
+          <a:bodyPr/>
+          <a:lstStyle/>
+          <a:p>
+            <a:endParaRPr kumimoji="1" lang="ko-Kore-KR" altLang="en-US" dirty="0"/>
+          </a:p>
+        </p:txBody>
+      </p:sp>
+      <p:sp>
+        <p:nvSpPr>
+          <p:cNvPr id="4" name="슬라이드 번호 개체 틀 3"/>
+          <p:cNvSpPr>
+            <a:spLocks noGrp="1"/>
+          </p:cNvSpPr>
+          <p:nvPr>
+            <p:ph type="sldNum" sz="quarter" idx="5"/>
+          </p:nvPr>
+        </p:nvSpPr>
+        <p:spPr/>
+        <p:txBody>
+          <a:bodyPr/>
+          <a:lstStyle/>
+          <a:p>
+            <a:fld id="{74FA6549-B6DF-B94B-9333-17EDEFA0F0CF}" type="slidenum">
+              <a:rPr kumimoji="1" lang="ko-Kore-KR" altLang="en-US" smtClean="0"/>
+              <a:t>6</a:t>
+            </a:fld>
+            <a:endParaRPr kumimoji="1" lang="ko-Kore-KR" altLang="en-US"/>
+          </a:p>
+        </p:txBody>
+      </p:sp>
+    </p:spTree>
+    <p:extLst>
+      <p:ext uri="{BB962C8B-B14F-4D97-AF65-F5344CB8AC3E}">
+        <p14:creationId xmlns:p14="http://schemas.microsoft.com/office/powerpoint/2010/main" val="950994036"/>
+      </p:ext>
+    </p:extLst>
+  </p:cSld>
+  <p:clrMapOvr>
+    <a:masterClrMapping/>
+  </p:clrMapOvr>
+</p:notes>
+</file>
+
+<file path=ppt/notesSlides/notesSlide6.xml><?xml version="1.0" encoding="utf-8"?>
+<p:notes xmlns:a="http://schemas.openxmlformats.org/drawingml/2006/main" xmlns:r="http://schemas.openxmlformats.org/officeDocument/2006/relationships" xmlns:p="http://schemas.openxmlformats.org/presentationml/2006/main">
+  <p:cSld>
+    <p:spTree>
+      <p:nvGrpSpPr>
+        <p:cNvPr id="1" name=""/>
+        <p:cNvGrpSpPr/>
+        <p:nvPr/>
+      </p:nvGrpSpPr>
+      <p:grpSpPr>
+        <a:xfrm>
+          <a:off x="0" y="0"/>
+          <a:ext cx="0" cy="0"/>
+          <a:chOff x="0" y="0"/>
+          <a:chExt cx="0" cy="0"/>
+        </a:xfrm>
+      </p:grpSpPr>
+      <p:sp>
+        <p:nvSpPr>
+          <p:cNvPr id="2" name="슬라이드 이미지 개체 틀 1"/>
+          <p:cNvSpPr>
+            <a:spLocks noGrp="1" noRot="1" noChangeAspect="1"/>
+          </p:cNvSpPr>
+          <p:nvPr>
+            <p:ph type="sldImg"/>
+          </p:nvPr>
+        </p:nvSpPr>
+        <p:spPr/>
+      </p:sp>
+      <p:sp>
+        <p:nvSpPr>
+          <p:cNvPr id="3" name="슬라이드 노트 개체 틀 2"/>
+          <p:cNvSpPr>
+            <a:spLocks noGrp="1"/>
+          </p:cNvSpPr>
+          <p:nvPr>
+            <p:ph type="body" idx="1"/>
+          </p:nvPr>
+        </p:nvSpPr>
+        <p:spPr/>
+        <p:txBody>
+          <a:bodyPr/>
+          <a:lstStyle/>
+          <a:p>
+            <a:endParaRPr kumimoji="1" lang="ko-Kore-KR" altLang="en-US" dirty="0"/>
+          </a:p>
+        </p:txBody>
+      </p:sp>
+      <p:sp>
+        <p:nvSpPr>
+          <p:cNvPr id="4" name="슬라이드 번호 개체 틀 3"/>
+          <p:cNvSpPr>
+            <a:spLocks noGrp="1"/>
+          </p:cNvSpPr>
+          <p:nvPr>
+            <p:ph type="sldNum" sz="quarter" idx="5"/>
+          </p:nvPr>
+        </p:nvSpPr>
+        <p:spPr/>
+        <p:txBody>
+          <a:bodyPr/>
+          <a:lstStyle/>
+          <a:p>
+            <a:fld id="{74FA6549-B6DF-B94B-9333-17EDEFA0F0CF}" type="slidenum">
+              <a:rPr kumimoji="1" lang="ko-Kore-KR" altLang="en-US" smtClean="0"/>
+              <a:t>7</a:t>
+            </a:fld>
+            <a:endParaRPr kumimoji="1" lang="ko-Kore-KR" altLang="en-US"/>
+          </a:p>
+        </p:txBody>
+      </p:sp>
+    </p:spTree>
+    <p:extLst>
+      <p:ext uri="{BB962C8B-B14F-4D97-AF65-F5344CB8AC3E}">
+        <p14:creationId xmlns:p14="http://schemas.microsoft.com/office/powerpoint/2010/main" val="3815779776"/>
+      </p:ext>
+    </p:extLst>
+  </p:cSld>
+  <p:clrMapOvr>
+    <a:masterClrMapping/>
+  </p:clrMapOvr>
+</p:notes>
+</file>
+
+<file path=ppt/notesSlides/notesSlide7.xml><?xml version="1.0" encoding="utf-8"?>
+<p:notes xmlns:a="http://schemas.openxmlformats.org/drawingml/2006/main" xmlns:r="http://schemas.openxmlformats.org/officeDocument/2006/relationships" xmlns:p="http://schemas.openxmlformats.org/presentationml/2006/main">
+  <p:cSld>
+    <p:spTree>
+      <p:nvGrpSpPr>
+        <p:cNvPr id="1" name=""/>
+        <p:cNvGrpSpPr/>
+        <p:nvPr/>
+      </p:nvGrpSpPr>
+      <p:grpSpPr>
+        <a:xfrm>
+          <a:off x="0" y="0"/>
+          <a:ext cx="0" cy="0"/>
+          <a:chOff x="0" y="0"/>
+          <a:chExt cx="0" cy="0"/>
+        </a:xfrm>
+      </p:grpSpPr>
+      <p:sp>
+        <p:nvSpPr>
+          <p:cNvPr id="2" name="슬라이드 이미지 개체 틀 1"/>
+          <p:cNvSpPr>
+            <a:spLocks noGrp="1" noRot="1" noChangeAspect="1"/>
+          </p:cNvSpPr>
+          <p:nvPr>
+            <p:ph type="sldImg"/>
+          </p:nvPr>
+        </p:nvSpPr>
+        <p:spPr/>
+      </p:sp>
+      <p:sp>
+        <p:nvSpPr>
+          <p:cNvPr id="3" name="슬라이드 노트 개체 틀 2"/>
+          <p:cNvSpPr>
+            <a:spLocks noGrp="1"/>
+          </p:cNvSpPr>
+          <p:nvPr>
+            <p:ph type="body" idx="1"/>
+          </p:nvPr>
+        </p:nvSpPr>
+        <p:spPr/>
+        <p:txBody>
+          <a:bodyPr/>
+          <a:lstStyle/>
+          <a:p>
+            <a:endParaRPr kumimoji="1" lang="ko-Kore-KR" altLang="en-US" dirty="0"/>
+          </a:p>
+        </p:txBody>
+      </p:sp>
+      <p:sp>
+        <p:nvSpPr>
+          <p:cNvPr id="4" name="슬라이드 번호 개체 틀 3"/>
+          <p:cNvSpPr>
+            <a:spLocks noGrp="1"/>
+          </p:cNvSpPr>
+          <p:nvPr>
+            <p:ph type="sldNum" sz="quarter" idx="5"/>
+          </p:nvPr>
+        </p:nvSpPr>
+        <p:spPr/>
+        <p:txBody>
+          <a:bodyPr/>
+          <a:lstStyle/>
+          <a:p>
+            <a:fld id="{74FA6549-B6DF-B94B-9333-17EDEFA0F0CF}" type="slidenum">
+              <a:rPr kumimoji="1" lang="ko-Kore-KR" altLang="en-US" smtClean="0"/>
+              <a:t>8</a:t>
+            </a:fld>
+            <a:endParaRPr kumimoji="1" lang="ko-Kore-KR" altLang="en-US"/>
+          </a:p>
+        </p:txBody>
+      </p:sp>
+    </p:spTree>
+    <p:extLst>
+      <p:ext uri="{BB962C8B-B14F-4D97-AF65-F5344CB8AC3E}">
+        <p14:creationId xmlns:p14="http://schemas.microsoft.com/office/powerpoint/2010/main" val="4147107075"/>
       </p:ext>
     </p:extLst>
   </p:cSld>
@@ -11057,6 +11312,3572 @@
     <p:extLst>
       <p:ext uri="{BB962C8B-B14F-4D97-AF65-F5344CB8AC3E}">
         <p14:creationId xmlns:p14="http://schemas.microsoft.com/office/powerpoint/2010/main" val="1190056372"/>
+      </p:ext>
+    </p:extLst>
+  </p:cSld>
+  <p:clrMapOvr>
+    <a:masterClrMapping/>
+  </p:clrMapOvr>
+</p:sld>
+</file>
+
+<file path=ppt/slides/slide6.xml><?xml version="1.0" encoding="utf-8"?>
+<p:sld xmlns:a="http://schemas.openxmlformats.org/drawingml/2006/main" xmlns:r="http://schemas.openxmlformats.org/officeDocument/2006/relationships" xmlns:p="http://schemas.openxmlformats.org/presentationml/2006/main">
+  <p:cSld>
+    <p:spTree>
+      <p:nvGrpSpPr>
+        <p:cNvPr id="1" name=""/>
+        <p:cNvGrpSpPr/>
+        <p:nvPr/>
+      </p:nvGrpSpPr>
+      <p:grpSpPr>
+        <a:xfrm>
+          <a:off x="0" y="0"/>
+          <a:ext cx="0" cy="0"/>
+          <a:chOff x="0" y="0"/>
+          <a:chExt cx="0" cy="0"/>
+        </a:xfrm>
+      </p:grpSpPr>
+      <p:sp>
+        <p:nvSpPr>
+          <p:cNvPr id="2" name="제목 1">
+            <a:extLst>
+              <a:ext uri="{FF2B5EF4-FFF2-40B4-BE49-F238E27FC236}">
+                <a16:creationId xmlns:a16="http://schemas.microsoft.com/office/drawing/2014/main" id="{6B6D9CD8-754E-F149-8807-FCD5B772F15F}"/>
+              </a:ext>
+            </a:extLst>
+          </p:cNvPr>
+          <p:cNvSpPr>
+            <a:spLocks noGrp="1"/>
+          </p:cNvSpPr>
+          <p:nvPr>
+            <p:ph type="title"/>
+          </p:nvPr>
+        </p:nvSpPr>
+        <p:spPr/>
+        <p:txBody>
+          <a:bodyPr/>
+          <a:lstStyle/>
+          <a:p>
+            <a:r>
+              <a:rPr kumimoji="1" lang="en-KR" altLang="en-US" dirty="0"/>
+              <a:t>메시징과 스트림의 장점을 데이터베이스에 적용하면</a:t>
+            </a:r>
+            <a:endParaRPr kumimoji="1" lang="ko-Kore-KR" altLang="en-US" dirty="0"/>
+          </a:p>
+        </p:txBody>
+      </p:sp>
+      <p:sp>
+        <p:nvSpPr>
+          <p:cNvPr id="10" name="직사각형 20">
+            <a:extLst>
+              <a:ext uri="{FF2B5EF4-FFF2-40B4-BE49-F238E27FC236}">
+                <a16:creationId xmlns:a16="http://schemas.microsoft.com/office/drawing/2014/main" id="{AFA7DE59-AB1A-6744-BE33-AE4CC4EED7C7}"/>
+              </a:ext>
+            </a:extLst>
+          </p:cNvPr>
+          <p:cNvSpPr/>
+          <p:nvPr/>
+        </p:nvSpPr>
+        <p:spPr>
+          <a:xfrm>
+            <a:off x="838200" y="1152389"/>
+            <a:ext cx="10515599" cy="4882651"/>
+          </a:xfrm>
+          <a:prstGeom prst="rect">
+            <a:avLst/>
+          </a:prstGeom>
+          <a:noFill/>
+          <a:ln>
+            <a:noFill/>
+          </a:ln>
+        </p:spPr>
+        <p:style>
+          <a:lnRef idx="2">
+            <a:schemeClr val="accent6">
+              <a:shade val="50000"/>
+            </a:schemeClr>
+          </a:lnRef>
+          <a:fillRef idx="1">
+            <a:schemeClr val="accent6"/>
+          </a:fillRef>
+          <a:effectRef idx="0">
+            <a:schemeClr val="accent6"/>
+          </a:effectRef>
+          <a:fontRef idx="minor">
+            <a:schemeClr val="lt1"/>
+          </a:fontRef>
+        </p:style>
+        <p:txBody>
+          <a:bodyPr rtlCol="0" anchor="t"/>
+          <a:lstStyle/>
+          <a:p>
+            <a:r>
+              <a:rPr kumimoji="1" lang="en-KR" altLang="en-US" b="1" dirty="0">
+                <a:solidFill>
+                  <a:schemeClr val="tx1"/>
+                </a:solidFill>
+                <a:latin typeface="Malgun Gothic" panose="020B0503020000020004" pitchFamily="34" charset="-127"/>
+                <a:ea typeface="Malgun Gothic" panose="020B0503020000020004" pitchFamily="34" charset="-127"/>
+              </a:rPr>
+              <a:t>데이터베이스가 트랜잭션을 처리할 때 리더는 데이터베이스 기록 이벤트를 생산</a:t>
+            </a:r>
+            <a:r>
+              <a:rPr kumimoji="1" lang="en-US" altLang="ko-KR" b="1" dirty="0">
+                <a:solidFill>
+                  <a:schemeClr val="tx1"/>
+                </a:solidFill>
+                <a:latin typeface="Malgun Gothic" panose="020B0503020000020004" pitchFamily="34" charset="-127"/>
+                <a:ea typeface="Malgun Gothic" panose="020B0503020000020004" pitchFamily="34" charset="-127"/>
+              </a:rPr>
+              <a:t>. </a:t>
+            </a:r>
+            <a:r>
+              <a:rPr kumimoji="1" lang="ko-KR" altLang="en-US" b="1" dirty="0" err="1">
+                <a:solidFill>
+                  <a:schemeClr val="tx1"/>
+                </a:solidFill>
+                <a:latin typeface="Malgun Gothic" panose="020B0503020000020004" pitchFamily="34" charset="-127"/>
+                <a:ea typeface="Malgun Gothic" panose="020B0503020000020004" pitchFamily="34" charset="-127"/>
+              </a:rPr>
+              <a:t>팔로워는</a:t>
+            </a:r>
+            <a:r>
+              <a:rPr kumimoji="1" lang="ko-KR" altLang="en-US" b="1" dirty="0">
+                <a:solidFill>
+                  <a:schemeClr val="tx1"/>
+                </a:solidFill>
+                <a:latin typeface="Malgun Gothic" panose="020B0503020000020004" pitchFamily="34" charset="-127"/>
+                <a:ea typeface="Malgun Gothic" panose="020B0503020000020004" pitchFamily="34" charset="-127"/>
+              </a:rPr>
+              <a:t> 기록 스트림을 해당 데이터베이스 </a:t>
+            </a:r>
+            <a:r>
+              <a:rPr kumimoji="1" lang="ko-KR" altLang="en-US" b="1" dirty="0" err="1">
+                <a:solidFill>
+                  <a:schemeClr val="tx1"/>
+                </a:solidFill>
+                <a:latin typeface="Malgun Gothic" panose="020B0503020000020004" pitchFamily="34" charset="-127"/>
+                <a:ea typeface="Malgun Gothic" panose="020B0503020000020004" pitchFamily="34" charset="-127"/>
+              </a:rPr>
+              <a:t>복제본에</a:t>
+            </a:r>
+            <a:r>
+              <a:rPr kumimoji="1" lang="ko-KR" altLang="en-US" b="1" dirty="0">
+                <a:solidFill>
+                  <a:schemeClr val="tx1"/>
+                </a:solidFill>
+                <a:latin typeface="Malgun Gothic" panose="020B0503020000020004" pitchFamily="34" charset="-127"/>
+                <a:ea typeface="Malgun Gothic" panose="020B0503020000020004" pitchFamily="34" charset="-127"/>
+              </a:rPr>
+              <a:t> 기록해 완전히 동일하 데이터 복사본을 만든다</a:t>
+            </a:r>
+            <a:r>
+              <a:rPr kumimoji="1" lang="en-US" altLang="ko-KR" b="1" dirty="0">
+                <a:solidFill>
+                  <a:schemeClr val="tx1"/>
+                </a:solidFill>
+                <a:latin typeface="Malgun Gothic" panose="020B0503020000020004" pitchFamily="34" charset="-127"/>
+                <a:ea typeface="Malgun Gothic" panose="020B0503020000020004" pitchFamily="34" charset="-127"/>
+              </a:rPr>
+              <a:t>.</a:t>
+            </a:r>
+            <a:endParaRPr kumimoji="1" lang="en-US" altLang="en-US" sz="1400" dirty="0">
+              <a:solidFill>
+                <a:schemeClr val="tx1"/>
+              </a:solidFill>
+              <a:latin typeface="Malgun Gothic" panose="020B0503020000020004" pitchFamily="34" charset="-127"/>
+              <a:ea typeface="Malgun Gothic" panose="020B0503020000020004" pitchFamily="34" charset="-127"/>
+            </a:endParaRPr>
+          </a:p>
+          <a:p>
+            <a:pPr marL="285750" indent="-285750">
+              <a:buFont typeface="Arial" panose="020B0604020202020204" pitchFamily="34" charset="0"/>
+              <a:buChar char="•"/>
+            </a:pPr>
+            <a:r>
+              <a:rPr kumimoji="1" lang="en-US" altLang="en-US" sz="1400" dirty="0" err="1">
+                <a:solidFill>
+                  <a:schemeClr val="tx1"/>
+                </a:solidFill>
+                <a:latin typeface="Malgun Gothic" panose="020B0503020000020004" pitchFamily="34" charset="-127"/>
+                <a:ea typeface="Malgun Gothic" panose="020B0503020000020004" pitchFamily="34" charset="-127"/>
+              </a:rPr>
+              <a:t>복제</a:t>
+            </a:r>
+            <a:r>
+              <a:rPr kumimoji="1" lang="en-US" altLang="en-US" sz="1400" dirty="0">
+                <a:solidFill>
+                  <a:schemeClr val="tx1"/>
+                </a:solidFill>
+                <a:latin typeface="Malgun Gothic" panose="020B0503020000020004" pitchFamily="34" charset="-127"/>
+                <a:ea typeface="Malgun Gothic" panose="020B0503020000020004" pitchFamily="34" charset="-127"/>
+              </a:rPr>
+              <a:t> </a:t>
+            </a:r>
+            <a:r>
+              <a:rPr kumimoji="1" lang="en-US" altLang="en-US" sz="1400" dirty="0" err="1">
+                <a:solidFill>
+                  <a:schemeClr val="tx1"/>
+                </a:solidFill>
+                <a:latin typeface="Malgun Gothic" panose="020B0503020000020004" pitchFamily="34" charset="-127"/>
+                <a:ea typeface="Malgun Gothic" panose="020B0503020000020004" pitchFamily="34" charset="-127"/>
+              </a:rPr>
+              <a:t>로그는</a:t>
+            </a:r>
+            <a:r>
+              <a:rPr kumimoji="1" lang="en-US" altLang="en-US" sz="1400" dirty="0">
+                <a:solidFill>
+                  <a:schemeClr val="tx1"/>
+                </a:solidFill>
+                <a:latin typeface="Malgun Gothic" panose="020B0503020000020004" pitchFamily="34" charset="-127"/>
+                <a:ea typeface="Malgun Gothic" panose="020B0503020000020004" pitchFamily="34" charset="-127"/>
+              </a:rPr>
+              <a:t> </a:t>
+            </a:r>
+            <a:r>
+              <a:rPr kumimoji="1" lang="en-US" altLang="en-US" sz="1400" dirty="0" err="1">
+                <a:solidFill>
+                  <a:schemeClr val="tx1"/>
+                </a:solidFill>
+                <a:latin typeface="Malgun Gothic" panose="020B0503020000020004" pitchFamily="34" charset="-127"/>
+                <a:ea typeface="Malgun Gothic" panose="020B0503020000020004" pitchFamily="34" charset="-127"/>
+              </a:rPr>
+              <a:t>데이터베이스</a:t>
+            </a:r>
+            <a:r>
+              <a:rPr kumimoji="1" lang="en-US" altLang="en-US" sz="1400" dirty="0">
+                <a:solidFill>
+                  <a:schemeClr val="tx1"/>
+                </a:solidFill>
+                <a:latin typeface="Malgun Gothic" panose="020B0503020000020004" pitchFamily="34" charset="-127"/>
+                <a:ea typeface="Malgun Gothic" panose="020B0503020000020004" pitchFamily="34" charset="-127"/>
+              </a:rPr>
+              <a:t> </a:t>
+            </a:r>
+            <a:r>
+              <a:rPr kumimoji="1" lang="en-US" altLang="en-US" sz="1400" dirty="0" err="1">
+                <a:solidFill>
+                  <a:schemeClr val="tx1"/>
+                </a:solidFill>
+                <a:latin typeface="Malgun Gothic" panose="020B0503020000020004" pitchFamily="34" charset="-127"/>
+                <a:ea typeface="Malgun Gothic" panose="020B0503020000020004" pitchFamily="34" charset="-127"/>
+              </a:rPr>
+              <a:t>기록</a:t>
+            </a:r>
+            <a:r>
+              <a:rPr kumimoji="1" lang="en-US" altLang="en-US" sz="1400" dirty="0">
+                <a:solidFill>
+                  <a:schemeClr val="tx1"/>
+                </a:solidFill>
+                <a:latin typeface="Malgun Gothic" panose="020B0503020000020004" pitchFamily="34" charset="-127"/>
+                <a:ea typeface="Malgun Gothic" panose="020B0503020000020004" pitchFamily="34" charset="-127"/>
+              </a:rPr>
+              <a:t> </a:t>
+            </a:r>
+            <a:r>
+              <a:rPr kumimoji="1" lang="en-US" altLang="en-US" sz="1400" dirty="0" err="1">
+                <a:solidFill>
+                  <a:schemeClr val="tx1"/>
+                </a:solidFill>
+                <a:latin typeface="Malgun Gothic" panose="020B0503020000020004" pitchFamily="34" charset="-127"/>
+                <a:ea typeface="Malgun Gothic" panose="020B0503020000020004" pitchFamily="34" charset="-127"/>
+              </a:rPr>
+              <a:t>이벤트의</a:t>
+            </a:r>
+            <a:r>
+              <a:rPr kumimoji="1" lang="en-US" altLang="en-US" sz="1400" dirty="0">
+                <a:solidFill>
+                  <a:schemeClr val="tx1"/>
+                </a:solidFill>
+                <a:latin typeface="Malgun Gothic" panose="020B0503020000020004" pitchFamily="34" charset="-127"/>
+                <a:ea typeface="Malgun Gothic" panose="020B0503020000020004" pitchFamily="34" charset="-127"/>
+              </a:rPr>
+              <a:t> </a:t>
+            </a:r>
+            <a:r>
+              <a:rPr kumimoji="1" lang="en-US" altLang="en-US" sz="1400" dirty="0" err="1">
+                <a:solidFill>
+                  <a:schemeClr val="tx1"/>
+                </a:solidFill>
+                <a:latin typeface="Malgun Gothic" panose="020B0503020000020004" pitchFamily="34" charset="-127"/>
+                <a:ea typeface="Malgun Gothic" panose="020B0503020000020004" pitchFamily="34" charset="-127"/>
+              </a:rPr>
+              <a:t>스트림에</a:t>
+            </a:r>
+            <a:r>
+              <a:rPr kumimoji="1" lang="en-US" altLang="en-US" sz="1400" dirty="0">
+                <a:solidFill>
+                  <a:schemeClr val="tx1"/>
+                </a:solidFill>
+                <a:latin typeface="Malgun Gothic" panose="020B0503020000020004" pitchFamily="34" charset="-127"/>
+                <a:ea typeface="Malgun Gothic" panose="020B0503020000020004" pitchFamily="34" charset="-127"/>
+              </a:rPr>
+              <a:t> </a:t>
+            </a:r>
+            <a:r>
+              <a:rPr kumimoji="1" lang="en-US" altLang="en-US" sz="1400" dirty="0" err="1">
+                <a:solidFill>
+                  <a:schemeClr val="tx1"/>
+                </a:solidFill>
+                <a:latin typeface="Malgun Gothic" panose="020B0503020000020004" pitchFamily="34" charset="-127"/>
+                <a:ea typeface="Malgun Gothic" panose="020B0503020000020004" pitchFamily="34" charset="-127"/>
+              </a:rPr>
+              <a:t>해당함</a:t>
+            </a:r>
+            <a:endParaRPr kumimoji="1" lang="en-US" altLang="en-US" sz="1400" dirty="0">
+              <a:solidFill>
+                <a:schemeClr val="tx1"/>
+              </a:solidFill>
+              <a:latin typeface="Malgun Gothic" panose="020B0503020000020004" pitchFamily="34" charset="-127"/>
+              <a:ea typeface="Malgun Gothic" panose="020B0503020000020004" pitchFamily="34" charset="-127"/>
+            </a:endParaRPr>
+          </a:p>
+          <a:p>
+            <a:pPr marL="285750" indent="-285750">
+              <a:buFont typeface="Arial" panose="020B0604020202020204" pitchFamily="34" charset="0"/>
+              <a:buChar char="•"/>
+            </a:pPr>
+            <a:r>
+              <a:rPr kumimoji="1" lang="en-US" altLang="en-US" sz="1400" dirty="0" err="1">
+                <a:solidFill>
+                  <a:schemeClr val="tx1"/>
+                </a:solidFill>
+                <a:latin typeface="Malgun Gothic" panose="020B0503020000020004" pitchFamily="34" charset="-127"/>
+                <a:ea typeface="Malgun Gothic" panose="020B0503020000020004" pitchFamily="34" charset="-127"/>
+              </a:rPr>
+              <a:t>복제</a:t>
+            </a:r>
+            <a:r>
+              <a:rPr kumimoji="1" lang="en-US" altLang="en-US" sz="1400" dirty="0">
+                <a:solidFill>
+                  <a:schemeClr val="tx1"/>
+                </a:solidFill>
+                <a:latin typeface="Malgun Gothic" panose="020B0503020000020004" pitchFamily="34" charset="-127"/>
+                <a:ea typeface="Malgun Gothic" panose="020B0503020000020004" pitchFamily="34" charset="-127"/>
+              </a:rPr>
+              <a:t> </a:t>
+            </a:r>
+            <a:r>
+              <a:rPr kumimoji="1" lang="en-US" altLang="en-US" sz="1400" dirty="0" err="1">
+                <a:solidFill>
+                  <a:schemeClr val="tx1"/>
+                </a:solidFill>
+                <a:latin typeface="Malgun Gothic" panose="020B0503020000020004" pitchFamily="34" charset="-127"/>
+                <a:ea typeface="Malgun Gothic" panose="020B0503020000020004" pitchFamily="34" charset="-127"/>
+              </a:rPr>
+              <a:t>로그</a:t>
+            </a:r>
+            <a:r>
+              <a:rPr kumimoji="1" lang="en-US" altLang="en-US" sz="1400" dirty="0">
+                <a:solidFill>
+                  <a:schemeClr val="tx1"/>
+                </a:solidFill>
+                <a:latin typeface="Malgun Gothic" panose="020B0503020000020004" pitchFamily="34" charset="-127"/>
+                <a:ea typeface="Malgun Gothic" panose="020B0503020000020004" pitchFamily="34" charset="-127"/>
+              </a:rPr>
+              <a:t> </a:t>
+            </a:r>
+            <a:r>
+              <a:rPr kumimoji="1" lang="en-US" altLang="en-US" sz="1400" dirty="0" err="1">
+                <a:solidFill>
+                  <a:schemeClr val="tx1"/>
+                </a:solidFill>
+                <a:latin typeface="Malgun Gothic" panose="020B0503020000020004" pitchFamily="34" charset="-127"/>
+                <a:ea typeface="Malgun Gothic" panose="020B0503020000020004" pitchFamily="34" charset="-127"/>
+              </a:rPr>
+              <a:t>이벤트는</a:t>
+            </a:r>
+            <a:r>
+              <a:rPr kumimoji="1" lang="en-US" altLang="en-US" sz="1400" dirty="0">
+                <a:solidFill>
+                  <a:schemeClr val="tx1"/>
+                </a:solidFill>
+                <a:latin typeface="Malgun Gothic" panose="020B0503020000020004" pitchFamily="34" charset="-127"/>
+                <a:ea typeface="Malgun Gothic" panose="020B0503020000020004" pitchFamily="34" charset="-127"/>
+              </a:rPr>
+              <a:t> </a:t>
+            </a:r>
+            <a:r>
+              <a:rPr kumimoji="1" lang="en-US" altLang="en-US" sz="1400" dirty="0" err="1">
+                <a:solidFill>
+                  <a:schemeClr val="tx1"/>
+                </a:solidFill>
+                <a:latin typeface="Malgun Gothic" panose="020B0503020000020004" pitchFamily="34" charset="-127"/>
+                <a:ea typeface="Malgun Gothic" panose="020B0503020000020004" pitchFamily="34" charset="-127"/>
+              </a:rPr>
+              <a:t>데이터에</a:t>
+            </a:r>
+            <a:r>
+              <a:rPr kumimoji="1" lang="en-US" altLang="en-US" sz="1400" dirty="0">
+                <a:solidFill>
+                  <a:schemeClr val="tx1"/>
+                </a:solidFill>
+                <a:latin typeface="Malgun Gothic" panose="020B0503020000020004" pitchFamily="34" charset="-127"/>
+                <a:ea typeface="Malgun Gothic" panose="020B0503020000020004" pitchFamily="34" charset="-127"/>
+              </a:rPr>
+              <a:t> </a:t>
+            </a:r>
+            <a:r>
+              <a:rPr kumimoji="1" lang="en-US" altLang="en-US" sz="1400" dirty="0" err="1">
+                <a:solidFill>
+                  <a:schemeClr val="tx1"/>
+                </a:solidFill>
+                <a:latin typeface="Malgun Gothic" panose="020B0503020000020004" pitchFamily="34" charset="-127"/>
+                <a:ea typeface="Malgun Gothic" panose="020B0503020000020004" pitchFamily="34" charset="-127"/>
+              </a:rPr>
+              <a:t>변경이</a:t>
+            </a:r>
+            <a:r>
+              <a:rPr kumimoji="1" lang="en-US" altLang="en-US" sz="1400" dirty="0">
+                <a:solidFill>
+                  <a:schemeClr val="tx1"/>
+                </a:solidFill>
+                <a:latin typeface="Malgun Gothic" panose="020B0503020000020004" pitchFamily="34" charset="-127"/>
+                <a:ea typeface="Malgun Gothic" panose="020B0503020000020004" pitchFamily="34" charset="-127"/>
+              </a:rPr>
+              <a:t> </a:t>
+            </a:r>
+            <a:r>
+              <a:rPr kumimoji="1" lang="en-US" altLang="en-US" sz="1400" dirty="0" err="1">
+                <a:solidFill>
+                  <a:schemeClr val="tx1"/>
+                </a:solidFill>
+                <a:latin typeface="Malgun Gothic" panose="020B0503020000020004" pitchFamily="34" charset="-127"/>
+                <a:ea typeface="Malgun Gothic" panose="020B0503020000020004" pitchFamily="34" charset="-127"/>
+              </a:rPr>
+              <a:t>발생했음을</a:t>
+            </a:r>
+            <a:r>
+              <a:rPr kumimoji="1" lang="en-US" altLang="en-US" sz="1400" dirty="0">
+                <a:solidFill>
+                  <a:schemeClr val="tx1"/>
+                </a:solidFill>
+                <a:latin typeface="Malgun Gothic" panose="020B0503020000020004" pitchFamily="34" charset="-127"/>
+                <a:ea typeface="Malgun Gothic" panose="020B0503020000020004" pitchFamily="34" charset="-127"/>
+              </a:rPr>
+              <a:t> </a:t>
+            </a:r>
+            <a:r>
+              <a:rPr kumimoji="1" lang="en-US" altLang="en-US" sz="1400" dirty="0" err="1">
+                <a:solidFill>
+                  <a:schemeClr val="tx1"/>
+                </a:solidFill>
+                <a:latin typeface="Malgun Gothic" panose="020B0503020000020004" pitchFamily="34" charset="-127"/>
+                <a:ea typeface="Malgun Gothic" panose="020B0503020000020004" pitchFamily="34" charset="-127"/>
+              </a:rPr>
+              <a:t>나타냄</a:t>
+            </a:r>
+            <a:endParaRPr kumimoji="1" lang="en-US" altLang="en-US" sz="1400" dirty="0">
+              <a:solidFill>
+                <a:schemeClr val="tx1"/>
+              </a:solidFill>
+              <a:latin typeface="Malgun Gothic" panose="020B0503020000020004" pitchFamily="34" charset="-127"/>
+              <a:ea typeface="Malgun Gothic" panose="020B0503020000020004" pitchFamily="34" charset="-127"/>
+            </a:endParaRPr>
+          </a:p>
+          <a:p>
+            <a:pPr marL="285750" indent="-285750">
+              <a:buFont typeface="Arial" panose="020B0604020202020204" pitchFamily="34" charset="0"/>
+              <a:buChar char="•"/>
+            </a:pPr>
+            <a:endParaRPr kumimoji="1" lang="en-KR" altLang="en-US" sz="1400" dirty="0">
+              <a:solidFill>
+                <a:schemeClr val="tx1"/>
+              </a:solidFill>
+              <a:latin typeface="Malgun Gothic" panose="020B0503020000020004" pitchFamily="34" charset="-127"/>
+              <a:ea typeface="Malgun Gothic" panose="020B0503020000020004" pitchFamily="34" charset="-127"/>
+            </a:endParaRPr>
+          </a:p>
+          <a:p>
+            <a:r>
+              <a:rPr kumimoji="1" lang="ko-KR" altLang="en-US" b="1" dirty="0">
+                <a:solidFill>
+                  <a:schemeClr val="tx1"/>
+                </a:solidFill>
+                <a:latin typeface="Malgun Gothic" panose="020B0503020000020004" pitchFamily="34" charset="-127"/>
+                <a:ea typeface="Malgun Gothic" panose="020B0503020000020004" pitchFamily="34" charset="-127"/>
+              </a:rPr>
+              <a:t>데이터 저장과 질의</a:t>
+            </a:r>
+            <a:r>
+              <a:rPr kumimoji="1" lang="en-US" altLang="ko-KR" b="1" dirty="0">
+                <a:solidFill>
+                  <a:schemeClr val="tx1"/>
+                </a:solidFill>
+                <a:latin typeface="Malgun Gothic" panose="020B0503020000020004" pitchFamily="34" charset="-127"/>
+                <a:ea typeface="Malgun Gothic" panose="020B0503020000020004" pitchFamily="34" charset="-127"/>
+              </a:rPr>
+              <a:t>, </a:t>
+            </a:r>
+            <a:r>
+              <a:rPr kumimoji="1" lang="ko-KR" altLang="en-US" b="1" dirty="0">
+                <a:solidFill>
+                  <a:schemeClr val="tx1"/>
+                </a:solidFill>
+                <a:latin typeface="Malgun Gothic" panose="020B0503020000020004" pitchFamily="34" charset="-127"/>
+                <a:ea typeface="Malgun Gothic" panose="020B0503020000020004" pitchFamily="34" charset="-127"/>
+              </a:rPr>
+              <a:t>처리 요구사항을 모두 만족하는 단일 시스템은 없음</a:t>
+            </a:r>
+            <a:r>
+              <a:rPr kumimoji="1" lang="en-US" altLang="ko-KR" b="1" dirty="0">
+                <a:solidFill>
+                  <a:schemeClr val="tx1"/>
+                </a:solidFill>
+                <a:latin typeface="Malgun Gothic" panose="020B0503020000020004" pitchFamily="34" charset="-127"/>
+                <a:ea typeface="Malgun Gothic" panose="020B0503020000020004" pitchFamily="34" charset="-127"/>
+              </a:rPr>
+              <a:t>. </a:t>
+            </a:r>
+            <a:r>
+              <a:rPr kumimoji="1" lang="ko-KR" altLang="en-US" b="1" dirty="0">
+                <a:solidFill>
+                  <a:schemeClr val="tx1"/>
+                </a:solidFill>
+                <a:latin typeface="Malgun Gothic" panose="020B0503020000020004" pitchFamily="34" charset="-127"/>
+                <a:ea typeface="Malgun Gothic" panose="020B0503020000020004" pitchFamily="34" charset="-127"/>
+              </a:rPr>
+              <a:t>따라서 관련이 있거나 동일한 데이터가 여러 다른 장소에 나타나기 때문에 </a:t>
+            </a:r>
+            <a:r>
+              <a:rPr kumimoji="1" lang="ko-KR" altLang="en-US" b="1" u="sng" dirty="0">
+                <a:solidFill>
+                  <a:schemeClr val="tx1"/>
+                </a:solidFill>
+                <a:latin typeface="Malgun Gothic" panose="020B0503020000020004" pitchFamily="34" charset="-127"/>
+                <a:ea typeface="Malgun Gothic" panose="020B0503020000020004" pitchFamily="34" charset="-127"/>
+              </a:rPr>
+              <a:t>서로 동기화가 필수</a:t>
+            </a:r>
+            <a:r>
+              <a:rPr kumimoji="1" lang="en-US" altLang="ko-KR" b="1" dirty="0">
+                <a:solidFill>
+                  <a:schemeClr val="tx1"/>
+                </a:solidFill>
+                <a:latin typeface="Malgun Gothic" panose="020B0503020000020004" pitchFamily="34" charset="-127"/>
+                <a:ea typeface="Malgun Gothic" panose="020B0503020000020004" pitchFamily="34" charset="-127"/>
+              </a:rPr>
+              <a:t>!</a:t>
+            </a:r>
+          </a:p>
+          <a:p>
+            <a:pPr marL="285750" indent="-285750">
+              <a:buFont typeface="Arial" panose="020B0604020202020204" pitchFamily="34" charset="0"/>
+              <a:buChar char="•"/>
+            </a:pPr>
+            <a:r>
+              <a:rPr kumimoji="1" lang="ko-KR" altLang="en-US" sz="1400" dirty="0">
+                <a:solidFill>
+                  <a:schemeClr val="tx1"/>
+                </a:solidFill>
+                <a:latin typeface="Malgun Gothic" panose="020B0503020000020004" pitchFamily="34" charset="-127"/>
+                <a:ea typeface="Malgun Gothic" panose="020B0503020000020004" pitchFamily="34" charset="-127"/>
+              </a:rPr>
+              <a:t>사용자 요청에 대응하기 위한 </a:t>
+            </a:r>
+            <a:r>
+              <a:rPr kumimoji="1" lang="en-US" altLang="ko-KR" sz="1400" dirty="0">
+                <a:solidFill>
+                  <a:schemeClr val="tx1"/>
+                </a:solidFill>
+                <a:latin typeface="Malgun Gothic" panose="020B0503020000020004" pitchFamily="34" charset="-127"/>
+                <a:ea typeface="Malgun Gothic" panose="020B0503020000020004" pitchFamily="34" charset="-127"/>
+              </a:rPr>
+              <a:t>OLTP </a:t>
+            </a:r>
+            <a:r>
+              <a:rPr kumimoji="1" lang="ko-KR" altLang="en-US" sz="1400" dirty="0">
+                <a:solidFill>
+                  <a:schemeClr val="tx1"/>
+                </a:solidFill>
+                <a:latin typeface="Malgun Gothic" panose="020B0503020000020004" pitchFamily="34" charset="-127"/>
+                <a:ea typeface="Malgun Gothic" panose="020B0503020000020004" pitchFamily="34" charset="-127"/>
+              </a:rPr>
+              <a:t>데이터베이스</a:t>
+            </a:r>
+            <a:r>
+              <a:rPr kumimoji="1" lang="en-US" altLang="ko-KR" sz="1400" dirty="0">
+                <a:solidFill>
+                  <a:schemeClr val="tx1"/>
+                </a:solidFill>
+                <a:latin typeface="Malgun Gothic" panose="020B0503020000020004" pitchFamily="34" charset="-127"/>
+                <a:ea typeface="Malgun Gothic" panose="020B0503020000020004" pitchFamily="34" charset="-127"/>
+              </a:rPr>
+              <a:t>, </a:t>
+            </a:r>
+            <a:r>
+              <a:rPr kumimoji="1" lang="ko-KR" altLang="en-US" sz="1400" dirty="0">
+                <a:solidFill>
+                  <a:schemeClr val="tx1"/>
+                </a:solidFill>
+                <a:latin typeface="Malgun Gothic" panose="020B0503020000020004" pitchFamily="34" charset="-127"/>
+                <a:ea typeface="Malgun Gothic" panose="020B0503020000020004" pitchFamily="34" charset="-127"/>
+              </a:rPr>
+              <a:t>공통 요청의 응답 속도를 높이기 위한 캐시</a:t>
+            </a:r>
+            <a:r>
+              <a:rPr kumimoji="1" lang="en-US" altLang="ko-KR" sz="1400" dirty="0">
+                <a:solidFill>
+                  <a:schemeClr val="tx1"/>
+                </a:solidFill>
+                <a:latin typeface="Malgun Gothic" panose="020B0503020000020004" pitchFamily="34" charset="-127"/>
+                <a:ea typeface="Malgun Gothic" panose="020B0503020000020004" pitchFamily="34" charset="-127"/>
+              </a:rPr>
+              <a:t>, </a:t>
+            </a:r>
+            <a:r>
+              <a:rPr kumimoji="1" lang="ko-KR" altLang="en-US" sz="1400" dirty="0">
+                <a:solidFill>
+                  <a:schemeClr val="tx1"/>
+                </a:solidFill>
+                <a:latin typeface="Malgun Gothic" panose="020B0503020000020004" pitchFamily="34" charset="-127"/>
+                <a:ea typeface="Malgun Gothic" panose="020B0503020000020004" pitchFamily="34" charset="-127"/>
+              </a:rPr>
+              <a:t>검색 질의를 다루기 위한 전문 색인</a:t>
+            </a:r>
+            <a:r>
+              <a:rPr kumimoji="1" lang="en-US" altLang="ko-KR" sz="1400" dirty="0">
+                <a:solidFill>
+                  <a:schemeClr val="tx1"/>
+                </a:solidFill>
+                <a:latin typeface="Malgun Gothic" panose="020B0503020000020004" pitchFamily="34" charset="-127"/>
+                <a:ea typeface="Malgun Gothic" panose="020B0503020000020004" pitchFamily="34" charset="-127"/>
+              </a:rPr>
+              <a:t>, </a:t>
+            </a:r>
+            <a:r>
+              <a:rPr kumimoji="1" lang="ko-KR" altLang="en-US" sz="1400" dirty="0">
+                <a:solidFill>
+                  <a:schemeClr val="tx1"/>
+                </a:solidFill>
+                <a:latin typeface="Malgun Gothic" panose="020B0503020000020004" pitchFamily="34" charset="-127"/>
+                <a:ea typeface="Malgun Gothic" panose="020B0503020000020004" pitchFamily="34" charset="-127"/>
+              </a:rPr>
+              <a:t>분석용 데이터 </a:t>
+            </a:r>
+            <a:r>
+              <a:rPr kumimoji="1" lang="ko-KR" altLang="en-US" sz="1400" dirty="0" err="1">
+                <a:solidFill>
+                  <a:schemeClr val="tx1"/>
+                </a:solidFill>
+                <a:latin typeface="Malgun Gothic" panose="020B0503020000020004" pitchFamily="34" charset="-127"/>
+                <a:ea typeface="Malgun Gothic" panose="020B0503020000020004" pitchFamily="34" charset="-127"/>
+              </a:rPr>
+              <a:t>웨어하우스</a:t>
+            </a:r>
+            <a:r>
+              <a:rPr kumimoji="1" lang="ko-KR" altLang="en-US" sz="1400" dirty="0">
+                <a:solidFill>
+                  <a:schemeClr val="tx1"/>
+                </a:solidFill>
+                <a:latin typeface="Malgun Gothic" panose="020B0503020000020004" pitchFamily="34" charset="-127"/>
+                <a:ea typeface="Malgun Gothic" panose="020B0503020000020004" pitchFamily="34" charset="-127"/>
+              </a:rPr>
+              <a:t> 등 몇 가지 다른 기술의 조합이 필요함</a:t>
+            </a:r>
+            <a:endParaRPr kumimoji="1" lang="en-US" altLang="ko-KR" sz="1400" dirty="0">
+              <a:solidFill>
+                <a:schemeClr val="tx1"/>
+              </a:solidFill>
+              <a:latin typeface="Malgun Gothic" panose="020B0503020000020004" pitchFamily="34" charset="-127"/>
+              <a:ea typeface="Malgun Gothic" panose="020B0503020000020004" pitchFamily="34" charset="-127"/>
+            </a:endParaRPr>
+          </a:p>
+          <a:p>
+            <a:pPr marL="285750" indent="-285750">
+              <a:buFont typeface="Arial" panose="020B0604020202020204" pitchFamily="34" charset="0"/>
+              <a:buChar char="•"/>
+            </a:pPr>
+            <a:r>
+              <a:rPr kumimoji="1" lang="ko-KR" altLang="en-US" sz="1400" b="1" dirty="0">
+                <a:solidFill>
+                  <a:schemeClr val="tx1"/>
+                </a:solidFill>
+                <a:latin typeface="Malgun Gothic" panose="020B0503020000020004" pitchFamily="34" charset="-127"/>
+                <a:ea typeface="Malgun Gothic" panose="020B0503020000020004" pitchFamily="34" charset="-127"/>
+              </a:rPr>
+              <a:t>데이터 </a:t>
+            </a:r>
+            <a:r>
+              <a:rPr kumimoji="1" lang="ko-KR" altLang="en-US" sz="1400" b="1" dirty="0" err="1">
+                <a:solidFill>
+                  <a:schemeClr val="tx1"/>
+                </a:solidFill>
+                <a:latin typeface="Malgun Gothic" panose="020B0503020000020004" pitchFamily="34" charset="-127"/>
+                <a:ea typeface="Malgun Gothic" panose="020B0503020000020004" pitchFamily="34" charset="-127"/>
+              </a:rPr>
+              <a:t>웨어하우스</a:t>
+            </a:r>
+            <a:r>
+              <a:rPr kumimoji="1" lang="ko-KR" altLang="en-US" sz="1400" b="1" dirty="0">
+                <a:solidFill>
+                  <a:schemeClr val="tx1"/>
+                </a:solidFill>
+                <a:latin typeface="Malgun Gothic" panose="020B0503020000020004" pitchFamily="34" charset="-127"/>
+                <a:ea typeface="Malgun Gothic" panose="020B0503020000020004" pitchFamily="34" charset="-127"/>
+              </a:rPr>
+              <a:t> 동기화</a:t>
+            </a:r>
+            <a:endParaRPr kumimoji="1" lang="en-US" altLang="ko-KR" sz="1400" b="1" dirty="0">
+              <a:solidFill>
+                <a:schemeClr val="tx1"/>
+              </a:solidFill>
+              <a:latin typeface="Malgun Gothic" panose="020B0503020000020004" pitchFamily="34" charset="-127"/>
+              <a:ea typeface="Malgun Gothic" panose="020B0503020000020004" pitchFamily="34" charset="-127"/>
+            </a:endParaRPr>
+          </a:p>
+          <a:p>
+            <a:pPr marL="742950" lvl="1" indent="-285750">
+              <a:buFont typeface="Arial" panose="020B0604020202020204" pitchFamily="34" charset="0"/>
+              <a:buChar char="•"/>
+            </a:pPr>
+            <a:r>
+              <a:rPr kumimoji="1" lang="ko-KR" altLang="en-US" sz="1400" dirty="0">
+                <a:solidFill>
+                  <a:schemeClr val="tx1"/>
+                </a:solidFill>
+                <a:latin typeface="Malgun Gothic" panose="020B0503020000020004" pitchFamily="34" charset="-127"/>
+                <a:ea typeface="Malgun Gothic" panose="020B0503020000020004" pitchFamily="34" charset="-127"/>
+              </a:rPr>
+              <a:t>데이터베이스 전체를 복사하고 변환한 후 데이터 </a:t>
+            </a:r>
+            <a:r>
+              <a:rPr kumimoji="1" lang="ko-KR" altLang="en-US" sz="1400" dirty="0" err="1">
+                <a:solidFill>
+                  <a:schemeClr val="tx1"/>
+                </a:solidFill>
+                <a:latin typeface="Malgun Gothic" panose="020B0503020000020004" pitchFamily="34" charset="-127"/>
+                <a:ea typeface="Malgun Gothic" panose="020B0503020000020004" pitchFamily="34" charset="-127"/>
+              </a:rPr>
+              <a:t>웨어하우스로</a:t>
+            </a:r>
+            <a:r>
+              <a:rPr kumimoji="1" lang="ko-KR" altLang="en-US" sz="1400" dirty="0">
+                <a:solidFill>
+                  <a:schemeClr val="tx1"/>
+                </a:solidFill>
+                <a:latin typeface="Malgun Gothic" panose="020B0503020000020004" pitchFamily="34" charset="-127"/>
+                <a:ea typeface="Malgun Gothic" panose="020B0503020000020004" pitchFamily="34" charset="-127"/>
+              </a:rPr>
+              <a:t> </a:t>
+            </a:r>
+            <a:r>
+              <a:rPr kumimoji="1" lang="ko-KR" altLang="en-US" sz="1400" dirty="0" err="1">
+                <a:solidFill>
+                  <a:schemeClr val="tx1"/>
+                </a:solidFill>
+                <a:latin typeface="Malgun Gothic" panose="020B0503020000020004" pitchFamily="34" charset="-127"/>
+                <a:ea typeface="Malgun Gothic" panose="020B0503020000020004" pitchFamily="34" charset="-127"/>
+              </a:rPr>
+              <a:t>벌크</a:t>
+            </a:r>
+            <a:r>
+              <a:rPr kumimoji="1" lang="ko-KR" altLang="en-US" sz="1400" dirty="0">
+                <a:solidFill>
+                  <a:schemeClr val="tx1"/>
+                </a:solidFill>
+                <a:latin typeface="Malgun Gothic" panose="020B0503020000020004" pitchFamily="34" charset="-127"/>
+                <a:ea typeface="Malgun Gothic" panose="020B0503020000020004" pitchFamily="34" charset="-127"/>
+              </a:rPr>
+              <a:t> 로드</a:t>
+            </a:r>
+            <a:endParaRPr kumimoji="1" lang="en-US" altLang="ko-KR" sz="1400" dirty="0">
+              <a:solidFill>
+                <a:schemeClr val="tx1"/>
+              </a:solidFill>
+              <a:latin typeface="Malgun Gothic" panose="020B0503020000020004" pitchFamily="34" charset="-127"/>
+              <a:ea typeface="Malgun Gothic" panose="020B0503020000020004" pitchFamily="34" charset="-127"/>
+            </a:endParaRPr>
+          </a:p>
+          <a:p>
+            <a:pPr marL="742950" lvl="1" indent="-285750">
+              <a:buFont typeface="Arial" panose="020B0604020202020204" pitchFamily="34" charset="0"/>
+              <a:buChar char="•"/>
+            </a:pPr>
+            <a:r>
+              <a:rPr kumimoji="1" lang="ko-KR" altLang="en-US" sz="1400" dirty="0">
+                <a:solidFill>
+                  <a:schemeClr val="tx1"/>
+                </a:solidFill>
+                <a:latin typeface="Malgun Gothic" panose="020B0503020000020004" pitchFamily="34" charset="-127"/>
+                <a:ea typeface="Malgun Gothic" panose="020B0503020000020004" pitchFamily="34" charset="-127"/>
+              </a:rPr>
+              <a:t>주기적으로 데이터베이스 전체 덤프 작업이 너무 느리면 대안으로 </a:t>
+            </a:r>
+            <a:r>
+              <a:rPr kumimoji="1" lang="ko-KR" altLang="en-US" sz="1400" b="1" u="sng" dirty="0">
+                <a:solidFill>
+                  <a:schemeClr val="tx1"/>
+                </a:solidFill>
+                <a:latin typeface="Malgun Gothic" panose="020B0503020000020004" pitchFamily="34" charset="-127"/>
+                <a:ea typeface="Malgun Gothic" panose="020B0503020000020004" pitchFamily="34" charset="-127"/>
+              </a:rPr>
+              <a:t>이중 기록</a:t>
+            </a:r>
+            <a:r>
+              <a:rPr kumimoji="1" lang="ko-KR" altLang="en-US" sz="1400" dirty="0">
+                <a:solidFill>
+                  <a:schemeClr val="tx1"/>
+                </a:solidFill>
+                <a:latin typeface="Malgun Gothic" panose="020B0503020000020004" pitchFamily="34" charset="-127"/>
+                <a:ea typeface="Malgun Gothic" panose="020B0503020000020004" pitchFamily="34" charset="-127"/>
+              </a:rPr>
+              <a:t>이 있음</a:t>
+            </a:r>
+            <a:endParaRPr kumimoji="1" lang="en-US" altLang="ko-KR" sz="1400" dirty="0">
+              <a:solidFill>
+                <a:schemeClr val="tx1"/>
+              </a:solidFill>
+              <a:latin typeface="Malgun Gothic" panose="020B0503020000020004" pitchFamily="34" charset="-127"/>
+              <a:ea typeface="Malgun Gothic" panose="020B0503020000020004" pitchFamily="34" charset="-127"/>
+            </a:endParaRPr>
+          </a:p>
+          <a:p>
+            <a:pPr marL="1200150" lvl="2" indent="-285750">
+              <a:buFont typeface="Arial" panose="020B0604020202020204" pitchFamily="34" charset="0"/>
+              <a:buChar char="•"/>
+            </a:pPr>
+            <a:r>
+              <a:rPr kumimoji="1" lang="ko-KR" altLang="en-US" sz="1400" dirty="0">
+                <a:solidFill>
+                  <a:schemeClr val="tx1"/>
+                </a:solidFill>
+                <a:latin typeface="Malgun Gothic" panose="020B0503020000020004" pitchFamily="34" charset="-127"/>
+                <a:ea typeface="Malgun Gothic" panose="020B0503020000020004" pitchFamily="34" charset="-127"/>
+              </a:rPr>
+              <a:t>이중 기록을 사용하면 데이터가 변할 때마다 애플리케이션 코드에서 명시적으로 각 시스템에 기록</a:t>
+            </a:r>
+            <a:endParaRPr kumimoji="1" lang="en-US" altLang="ko-KR" sz="1400" dirty="0">
+              <a:solidFill>
+                <a:schemeClr val="tx1"/>
+              </a:solidFill>
+              <a:latin typeface="Malgun Gothic" panose="020B0503020000020004" pitchFamily="34" charset="-127"/>
+              <a:ea typeface="Malgun Gothic" panose="020B0503020000020004" pitchFamily="34" charset="-127"/>
+            </a:endParaRPr>
+          </a:p>
+          <a:p>
+            <a:pPr marL="1200150" lvl="2" indent="-285750">
+              <a:buFont typeface="Arial" panose="020B0604020202020204" pitchFamily="34" charset="0"/>
+              <a:buChar char="•"/>
+            </a:pPr>
+            <a:r>
+              <a:rPr kumimoji="1" lang="ko-KR" altLang="en-US" sz="1400" dirty="0">
+                <a:solidFill>
+                  <a:schemeClr val="tx1"/>
+                </a:solidFill>
+                <a:latin typeface="Malgun Gothic" panose="020B0503020000020004" pitchFamily="34" charset="-127"/>
+                <a:ea typeface="Malgun Gothic" panose="020B0503020000020004" pitchFamily="34" charset="-127"/>
+              </a:rPr>
+              <a:t>이중 기록의 문제 </a:t>
+            </a:r>
+            <a:endParaRPr kumimoji="1" lang="en-US" altLang="ko-KR" sz="1400" dirty="0">
+              <a:solidFill>
+                <a:schemeClr val="tx1"/>
+              </a:solidFill>
+              <a:latin typeface="Malgun Gothic" panose="020B0503020000020004" pitchFamily="34" charset="-127"/>
+              <a:ea typeface="Malgun Gothic" panose="020B0503020000020004" pitchFamily="34" charset="-127"/>
+            </a:endParaRPr>
+          </a:p>
+          <a:p>
+            <a:pPr marL="1657350" lvl="3" indent="-285750">
+              <a:buFont typeface="Arial" panose="020B0604020202020204" pitchFamily="34" charset="0"/>
+              <a:buChar char="•"/>
+            </a:pPr>
+            <a:r>
+              <a:rPr kumimoji="1" lang="ko-KR" altLang="en-US" sz="1400" dirty="0">
+                <a:solidFill>
+                  <a:schemeClr val="tx1"/>
+                </a:solidFill>
+                <a:latin typeface="Malgun Gothic" panose="020B0503020000020004" pitchFamily="34" charset="-127"/>
+                <a:ea typeface="Malgun Gothic" panose="020B0503020000020004" pitchFamily="34" charset="-127"/>
+              </a:rPr>
+              <a:t>클라이언트 </a:t>
+            </a:r>
+            <a:r>
+              <a:rPr kumimoji="1" lang="en-US" altLang="ko-KR" sz="1400" dirty="0">
+                <a:solidFill>
+                  <a:schemeClr val="tx1"/>
+                </a:solidFill>
+                <a:latin typeface="Malgun Gothic" panose="020B0503020000020004" pitchFamily="34" charset="-127"/>
+                <a:ea typeface="Malgun Gothic" panose="020B0503020000020004" pitchFamily="34" charset="-127"/>
+              </a:rPr>
+              <a:t>A,B</a:t>
+            </a:r>
+            <a:r>
+              <a:rPr kumimoji="1" lang="ko-KR" altLang="en-US" sz="1400" dirty="0">
+                <a:solidFill>
+                  <a:schemeClr val="tx1"/>
+                </a:solidFill>
+                <a:latin typeface="Malgun Gothic" panose="020B0503020000020004" pitchFamily="34" charset="-127"/>
+                <a:ea typeface="Malgun Gothic" panose="020B0503020000020004" pitchFamily="34" charset="-127"/>
+              </a:rPr>
+              <a:t>간에 경쟁 조건이 발생했을 때</a:t>
+            </a:r>
+            <a:r>
+              <a:rPr kumimoji="1" lang="en-US" altLang="ko-KR" sz="1400" dirty="0">
+                <a:solidFill>
+                  <a:schemeClr val="tx1"/>
+                </a:solidFill>
+                <a:latin typeface="Malgun Gothic" panose="020B0503020000020004" pitchFamily="34" charset="-127"/>
+                <a:ea typeface="Malgun Gothic" panose="020B0503020000020004" pitchFamily="34" charset="-127"/>
+              </a:rPr>
+              <a:t>, </a:t>
+            </a:r>
+            <a:r>
+              <a:rPr kumimoji="1" lang="ko-KR" altLang="en-US" sz="1400" dirty="0">
+                <a:solidFill>
+                  <a:schemeClr val="tx1"/>
+                </a:solidFill>
+                <a:latin typeface="Malgun Gothic" panose="020B0503020000020004" pitchFamily="34" charset="-127"/>
+                <a:ea typeface="Malgun Gothic" panose="020B0503020000020004" pitchFamily="34" charset="-127"/>
+              </a:rPr>
+              <a:t>요청의 교차로 인해 </a:t>
+            </a:r>
+            <a:r>
+              <a:rPr kumimoji="1" lang="ko-KR" altLang="en-US" sz="1400" b="1" dirty="0">
+                <a:solidFill>
+                  <a:schemeClr val="tx1"/>
+                </a:solidFill>
+                <a:latin typeface="Malgun Gothic" panose="020B0503020000020004" pitchFamily="34" charset="-127"/>
+                <a:ea typeface="Malgun Gothic" panose="020B0503020000020004" pitchFamily="34" charset="-127"/>
+              </a:rPr>
+              <a:t>데이터베이스의 최종 값</a:t>
+            </a:r>
+            <a:r>
+              <a:rPr kumimoji="1" lang="ko-KR" altLang="en-US" sz="1400" dirty="0">
+                <a:solidFill>
+                  <a:schemeClr val="tx1"/>
+                </a:solidFill>
+                <a:latin typeface="Malgun Gothic" panose="020B0503020000020004" pitchFamily="34" charset="-127"/>
+                <a:ea typeface="Malgun Gothic" panose="020B0503020000020004" pitchFamily="34" charset="-127"/>
+              </a:rPr>
+              <a:t>과 </a:t>
+            </a:r>
+            <a:r>
+              <a:rPr kumimoji="1" lang="ko-KR" altLang="en-US" sz="1400" b="1" dirty="0">
+                <a:solidFill>
+                  <a:schemeClr val="tx1"/>
+                </a:solidFill>
+                <a:latin typeface="Malgun Gothic" panose="020B0503020000020004" pitchFamily="34" charset="-127"/>
+                <a:ea typeface="Malgun Gothic" panose="020B0503020000020004" pitchFamily="34" charset="-127"/>
+              </a:rPr>
+              <a:t>색인의 최종 값</a:t>
+            </a:r>
+            <a:r>
+              <a:rPr kumimoji="1" lang="ko-KR" altLang="en-US" sz="1400" dirty="0">
+                <a:solidFill>
+                  <a:schemeClr val="tx1"/>
+                </a:solidFill>
+                <a:latin typeface="Malgun Gothic" panose="020B0503020000020004" pitchFamily="34" charset="-127"/>
+                <a:ea typeface="Malgun Gothic" panose="020B0503020000020004" pitchFamily="34" charset="-127"/>
+              </a:rPr>
+              <a:t>이 일치하지 않을 수 있음 </a:t>
+            </a:r>
+            <a:r>
+              <a:rPr kumimoji="1" lang="en-US" altLang="ko-KR" sz="1400" dirty="0">
+                <a:solidFill>
+                  <a:schemeClr val="tx1"/>
+                </a:solidFill>
+                <a:latin typeface="Malgun Gothic" panose="020B0503020000020004" pitchFamily="34" charset="-127"/>
+                <a:ea typeface="Malgun Gothic" panose="020B0503020000020004" pitchFamily="34" charset="-127"/>
+              </a:rPr>
+              <a:t>(</a:t>
+            </a:r>
+            <a:r>
+              <a:rPr kumimoji="1" lang="ko-KR" altLang="en-US" sz="1400" dirty="0">
+                <a:solidFill>
+                  <a:schemeClr val="tx1"/>
+                </a:solidFill>
+                <a:latin typeface="Malgun Gothic" panose="020B0503020000020004" pitchFamily="34" charset="-127"/>
+                <a:ea typeface="Malgun Gothic" panose="020B0503020000020004" pitchFamily="34" charset="-127"/>
+              </a:rPr>
+              <a:t>버전 벡터와 같은 동시성 감지 메커니즘 사용이 필요</a:t>
+            </a:r>
+            <a:endParaRPr kumimoji="1" lang="en-US" altLang="ko-KR" sz="1400" dirty="0">
+              <a:solidFill>
+                <a:schemeClr val="tx1"/>
+              </a:solidFill>
+              <a:latin typeface="Malgun Gothic" panose="020B0503020000020004" pitchFamily="34" charset="-127"/>
+              <a:ea typeface="Malgun Gothic" panose="020B0503020000020004" pitchFamily="34" charset="-127"/>
+            </a:endParaRPr>
+          </a:p>
+          <a:p>
+            <a:pPr marL="1657350" lvl="3" indent="-285750">
+              <a:buFont typeface="Arial" panose="020B0604020202020204" pitchFamily="34" charset="0"/>
+              <a:buChar char="•"/>
+            </a:pPr>
+            <a:r>
+              <a:rPr kumimoji="1" lang="ko-KR" altLang="en-US" sz="1400" dirty="0">
+                <a:solidFill>
+                  <a:schemeClr val="tx1"/>
+                </a:solidFill>
+                <a:latin typeface="Malgun Gothic" panose="020B0503020000020004" pitchFamily="34" charset="-127"/>
+                <a:ea typeface="Malgun Gothic" panose="020B0503020000020004" pitchFamily="34" charset="-127"/>
+              </a:rPr>
+              <a:t>한쪽 쓰기의 성공과 다른 쪽 쓰기의 실패는 </a:t>
+            </a:r>
+            <a:r>
+              <a:rPr kumimoji="1" lang="ko-KR" altLang="en-US" sz="1400" dirty="0" err="1">
+                <a:solidFill>
+                  <a:schemeClr val="tx1"/>
+                </a:solidFill>
+                <a:latin typeface="Malgun Gothic" panose="020B0503020000020004" pitchFamily="34" charset="-127"/>
+                <a:ea typeface="Malgun Gothic" panose="020B0503020000020004" pitchFamily="34" charset="-127"/>
+              </a:rPr>
+              <a:t>내결함성</a:t>
+            </a:r>
+            <a:r>
+              <a:rPr kumimoji="1" lang="ko-KR" altLang="en-US" sz="1400" dirty="0">
+                <a:solidFill>
+                  <a:schemeClr val="tx1"/>
+                </a:solidFill>
+                <a:latin typeface="Malgun Gothic" panose="020B0503020000020004" pitchFamily="34" charset="-127"/>
+                <a:ea typeface="Malgun Gothic" panose="020B0503020000020004" pitchFamily="34" charset="-127"/>
+              </a:rPr>
+              <a:t> 문제로 두 시스템 간 불일치 발생하는 현상이다</a:t>
+            </a:r>
+            <a:r>
+              <a:rPr kumimoji="1" lang="en-US" altLang="ko-KR" sz="1400" dirty="0">
+                <a:solidFill>
+                  <a:schemeClr val="tx1"/>
+                </a:solidFill>
+                <a:latin typeface="Malgun Gothic" panose="020B0503020000020004" pitchFamily="34" charset="-127"/>
+                <a:ea typeface="Malgun Gothic" panose="020B0503020000020004" pitchFamily="34" charset="-127"/>
+              </a:rPr>
+              <a:t>. (</a:t>
+            </a:r>
+            <a:r>
+              <a:rPr kumimoji="1" lang="ko-KR" altLang="en-US" sz="1400" dirty="0">
+                <a:solidFill>
+                  <a:schemeClr val="tx1"/>
+                </a:solidFill>
+                <a:latin typeface="Malgun Gothic" panose="020B0503020000020004" pitchFamily="34" charset="-127"/>
+                <a:ea typeface="Malgun Gothic" panose="020B0503020000020004" pitchFamily="34" charset="-127"/>
+              </a:rPr>
+              <a:t>동시 성공 또는 동시 실패를 보장하는 방식은 원자적 </a:t>
+            </a:r>
+            <a:r>
+              <a:rPr kumimoji="1" lang="ko-KR" altLang="en-US" sz="1400" dirty="0" err="1">
+                <a:solidFill>
+                  <a:schemeClr val="tx1"/>
+                </a:solidFill>
+                <a:latin typeface="Malgun Gothic" panose="020B0503020000020004" pitchFamily="34" charset="-127"/>
+                <a:ea typeface="Malgun Gothic" panose="020B0503020000020004" pitchFamily="34" charset="-127"/>
+              </a:rPr>
+              <a:t>커밋</a:t>
+            </a:r>
+            <a:r>
+              <a:rPr kumimoji="1" lang="ko-KR" altLang="en-US" sz="1400" dirty="0">
+                <a:solidFill>
+                  <a:schemeClr val="tx1"/>
+                </a:solidFill>
+                <a:latin typeface="Malgun Gothic" panose="020B0503020000020004" pitchFamily="34" charset="-127"/>
+                <a:ea typeface="Malgun Gothic" panose="020B0503020000020004" pitchFamily="34" charset="-127"/>
+              </a:rPr>
+              <a:t> 문제</a:t>
+            </a:r>
+            <a:r>
+              <a:rPr kumimoji="1" lang="en-US" altLang="ko-KR" sz="1400" dirty="0">
+                <a:solidFill>
+                  <a:schemeClr val="tx1"/>
+                </a:solidFill>
+                <a:latin typeface="Malgun Gothic" panose="020B0503020000020004" pitchFamily="34" charset="-127"/>
+                <a:ea typeface="Malgun Gothic" panose="020B0503020000020004" pitchFamily="34" charset="-127"/>
+              </a:rPr>
+              <a:t>)</a:t>
+            </a:r>
+          </a:p>
+          <a:p>
+            <a:pPr marL="1200150" lvl="2" indent="-285750">
+              <a:buFont typeface="Arial" panose="020B0604020202020204" pitchFamily="34" charset="0"/>
+              <a:buChar char="•"/>
+            </a:pPr>
+            <a:endParaRPr kumimoji="1" lang="en-US" altLang="ko-KR" sz="1400" dirty="0">
+              <a:solidFill>
+                <a:schemeClr val="tx1"/>
+              </a:solidFill>
+              <a:latin typeface="Malgun Gothic" panose="020B0503020000020004" pitchFamily="34" charset="-127"/>
+              <a:ea typeface="Malgun Gothic" panose="020B0503020000020004" pitchFamily="34" charset="-127"/>
+            </a:endParaRPr>
+          </a:p>
+          <a:p>
+            <a:endParaRPr kumimoji="1" lang="ko-Kore-KR" altLang="en-US" b="1" dirty="0">
+              <a:solidFill>
+                <a:schemeClr val="tx1"/>
+              </a:solidFill>
+              <a:latin typeface="Malgun Gothic" panose="020B0503020000020004" pitchFamily="34" charset="-127"/>
+              <a:ea typeface="Malgun Gothic" panose="020B0503020000020004" pitchFamily="34" charset="-127"/>
+            </a:endParaRPr>
+          </a:p>
+        </p:txBody>
+      </p:sp>
+    </p:spTree>
+    <p:extLst>
+      <p:ext uri="{BB962C8B-B14F-4D97-AF65-F5344CB8AC3E}">
+        <p14:creationId xmlns:p14="http://schemas.microsoft.com/office/powerpoint/2010/main" val="3344207948"/>
+      </p:ext>
+    </p:extLst>
+  </p:cSld>
+  <p:clrMapOvr>
+    <a:masterClrMapping/>
+  </p:clrMapOvr>
+</p:sld>
+</file>
+
+<file path=ppt/slides/slide7.xml><?xml version="1.0" encoding="utf-8"?>
+<p:sld xmlns:a="http://schemas.openxmlformats.org/drawingml/2006/main" xmlns:r="http://schemas.openxmlformats.org/officeDocument/2006/relationships" xmlns:p="http://schemas.openxmlformats.org/presentationml/2006/main">
+  <p:cSld>
+    <p:spTree>
+      <p:nvGrpSpPr>
+        <p:cNvPr id="1" name=""/>
+        <p:cNvGrpSpPr/>
+        <p:nvPr/>
+      </p:nvGrpSpPr>
+      <p:grpSpPr>
+        <a:xfrm>
+          <a:off x="0" y="0"/>
+          <a:ext cx="0" cy="0"/>
+          <a:chOff x="0" y="0"/>
+          <a:chExt cx="0" cy="0"/>
+        </a:xfrm>
+      </p:grpSpPr>
+      <p:sp>
+        <p:nvSpPr>
+          <p:cNvPr id="2" name="제목 1">
+            <a:extLst>
+              <a:ext uri="{FF2B5EF4-FFF2-40B4-BE49-F238E27FC236}">
+                <a16:creationId xmlns:a16="http://schemas.microsoft.com/office/drawing/2014/main" id="{6B6D9CD8-754E-F149-8807-FCD5B772F15F}"/>
+              </a:ext>
+            </a:extLst>
+          </p:cNvPr>
+          <p:cNvSpPr>
+            <a:spLocks noGrp="1"/>
+          </p:cNvSpPr>
+          <p:nvPr>
+            <p:ph type="title"/>
+          </p:nvPr>
+        </p:nvSpPr>
+        <p:spPr/>
+        <p:txBody>
+          <a:bodyPr/>
+          <a:lstStyle/>
+          <a:p>
+            <a:r>
+              <a:rPr kumimoji="1" lang="en-KR" altLang="en-US" dirty="0"/>
+              <a:t>데이터베이스 복제 로그 관련 문제와 해결방안</a:t>
+            </a:r>
+            <a:endParaRPr kumimoji="1" lang="ko-Kore-KR" altLang="en-US" dirty="0"/>
+          </a:p>
+        </p:txBody>
+      </p:sp>
+      <p:sp>
+        <p:nvSpPr>
+          <p:cNvPr id="10" name="직사각형 20">
+            <a:extLst>
+              <a:ext uri="{FF2B5EF4-FFF2-40B4-BE49-F238E27FC236}">
+                <a16:creationId xmlns:a16="http://schemas.microsoft.com/office/drawing/2014/main" id="{AFA7DE59-AB1A-6744-BE33-AE4CC4EED7C7}"/>
+              </a:ext>
+            </a:extLst>
+          </p:cNvPr>
+          <p:cNvSpPr/>
+          <p:nvPr/>
+        </p:nvSpPr>
+        <p:spPr>
+          <a:xfrm>
+            <a:off x="838200" y="1152389"/>
+            <a:ext cx="10515599" cy="4882651"/>
+          </a:xfrm>
+          <a:prstGeom prst="rect">
+            <a:avLst/>
+          </a:prstGeom>
+          <a:noFill/>
+          <a:ln>
+            <a:noFill/>
+          </a:ln>
+        </p:spPr>
+        <p:style>
+          <a:lnRef idx="2">
+            <a:schemeClr val="accent6">
+              <a:shade val="50000"/>
+            </a:schemeClr>
+          </a:lnRef>
+          <a:fillRef idx="1">
+            <a:schemeClr val="accent6"/>
+          </a:fillRef>
+          <a:effectRef idx="0">
+            <a:schemeClr val="accent6"/>
+          </a:effectRef>
+          <a:fontRef idx="minor">
+            <a:schemeClr val="lt1"/>
+          </a:fontRef>
+        </p:style>
+        <p:txBody>
+          <a:bodyPr rtlCol="0" anchor="t"/>
+          <a:lstStyle/>
+          <a:p>
+            <a:r>
+              <a:rPr kumimoji="1" lang="en-US" altLang="en-US" b="1" dirty="0" err="1">
+                <a:solidFill>
+                  <a:schemeClr val="tx1"/>
+                </a:solidFill>
+                <a:latin typeface="Malgun Gothic" panose="020B0503020000020004" pitchFamily="34" charset="-127"/>
+                <a:ea typeface="Malgun Gothic" panose="020B0503020000020004" pitchFamily="34" charset="-127"/>
+              </a:rPr>
+              <a:t>변경</a:t>
+            </a:r>
+            <a:r>
+              <a:rPr kumimoji="1" lang="en-US" altLang="en-US" b="1" dirty="0">
+                <a:solidFill>
+                  <a:schemeClr val="tx1"/>
+                </a:solidFill>
+                <a:latin typeface="Malgun Gothic" panose="020B0503020000020004" pitchFamily="34" charset="-127"/>
+                <a:ea typeface="Malgun Gothic" panose="020B0503020000020004" pitchFamily="34" charset="-127"/>
+              </a:rPr>
+              <a:t> </a:t>
+            </a:r>
+            <a:r>
+              <a:rPr kumimoji="1" lang="en-US" altLang="en-US" b="1" dirty="0" err="1">
+                <a:solidFill>
+                  <a:schemeClr val="tx1"/>
+                </a:solidFill>
+                <a:latin typeface="Malgun Gothic" panose="020B0503020000020004" pitchFamily="34" charset="-127"/>
+                <a:ea typeface="Malgun Gothic" panose="020B0503020000020004" pitchFamily="34" charset="-127"/>
+              </a:rPr>
+              <a:t>데이터</a:t>
+            </a:r>
+            <a:r>
+              <a:rPr kumimoji="1" lang="en-US" altLang="en-US" b="1" dirty="0">
+                <a:solidFill>
+                  <a:schemeClr val="tx1"/>
+                </a:solidFill>
+                <a:latin typeface="Malgun Gothic" panose="020B0503020000020004" pitchFamily="34" charset="-127"/>
+                <a:ea typeface="Malgun Gothic" panose="020B0503020000020004" pitchFamily="34" charset="-127"/>
+              </a:rPr>
+              <a:t> </a:t>
+            </a:r>
+            <a:r>
+              <a:rPr kumimoji="1" lang="en-US" altLang="en-US" b="1" dirty="0" err="1">
+                <a:solidFill>
+                  <a:schemeClr val="tx1"/>
+                </a:solidFill>
+                <a:latin typeface="Malgun Gothic" panose="020B0503020000020004" pitchFamily="34" charset="-127"/>
+                <a:ea typeface="Malgun Gothic" panose="020B0503020000020004" pitchFamily="34" charset="-127"/>
+              </a:rPr>
+              <a:t>캡처</a:t>
+            </a:r>
+            <a:r>
+              <a:rPr kumimoji="1" lang="en-US" altLang="ko-KR" b="1" dirty="0">
+                <a:solidFill>
+                  <a:schemeClr val="tx1"/>
+                </a:solidFill>
+                <a:latin typeface="Malgun Gothic" panose="020B0503020000020004" pitchFamily="34" charset="-127"/>
+                <a:ea typeface="Malgun Gothic" panose="020B0503020000020004" pitchFamily="34" charset="-127"/>
+              </a:rPr>
+              <a:t>(CDC)</a:t>
+            </a:r>
+            <a:r>
+              <a:rPr kumimoji="1" lang="en-US" altLang="en-US" b="1" dirty="0" err="1">
+                <a:solidFill>
+                  <a:schemeClr val="tx1"/>
+                </a:solidFill>
+                <a:latin typeface="Malgun Gothic" panose="020B0503020000020004" pitchFamily="34" charset="-127"/>
+                <a:ea typeface="Malgun Gothic" panose="020B0503020000020004" pitchFamily="34" charset="-127"/>
+              </a:rPr>
+              <a:t>는</a:t>
+            </a:r>
+            <a:r>
+              <a:rPr kumimoji="1" lang="en-US" altLang="en-US" b="1" dirty="0">
+                <a:solidFill>
+                  <a:schemeClr val="tx1"/>
+                </a:solidFill>
+                <a:latin typeface="Malgun Gothic" panose="020B0503020000020004" pitchFamily="34" charset="-127"/>
+                <a:ea typeface="Malgun Gothic" panose="020B0503020000020004" pitchFamily="34" charset="-127"/>
+              </a:rPr>
+              <a:t> </a:t>
+            </a:r>
+            <a:r>
+              <a:rPr kumimoji="1" lang="en-US" altLang="en-US" b="1" dirty="0" err="1">
+                <a:solidFill>
+                  <a:schemeClr val="tx1"/>
+                </a:solidFill>
+                <a:latin typeface="Malgun Gothic" panose="020B0503020000020004" pitchFamily="34" charset="-127"/>
+                <a:ea typeface="Malgun Gothic" panose="020B0503020000020004" pitchFamily="34" charset="-127"/>
+              </a:rPr>
+              <a:t>데이터베이스에</a:t>
+            </a:r>
+            <a:r>
+              <a:rPr kumimoji="1" lang="en-US" altLang="en-US" b="1" dirty="0">
+                <a:solidFill>
+                  <a:schemeClr val="tx1"/>
+                </a:solidFill>
+                <a:latin typeface="Malgun Gothic" panose="020B0503020000020004" pitchFamily="34" charset="-127"/>
+                <a:ea typeface="Malgun Gothic" panose="020B0503020000020004" pitchFamily="34" charset="-127"/>
+              </a:rPr>
+              <a:t> </a:t>
+            </a:r>
+            <a:r>
+              <a:rPr kumimoji="1" lang="en-US" altLang="en-US" b="1" dirty="0" err="1">
+                <a:solidFill>
+                  <a:schemeClr val="tx1"/>
+                </a:solidFill>
+                <a:latin typeface="Malgun Gothic" panose="020B0503020000020004" pitchFamily="34" charset="-127"/>
+                <a:ea typeface="Malgun Gothic" panose="020B0503020000020004" pitchFamily="34" charset="-127"/>
+              </a:rPr>
+              <a:t>기록하는</a:t>
+            </a:r>
+            <a:r>
+              <a:rPr kumimoji="1" lang="en-US" altLang="en-US" b="1" dirty="0">
+                <a:solidFill>
+                  <a:schemeClr val="tx1"/>
+                </a:solidFill>
+                <a:latin typeface="Malgun Gothic" panose="020B0503020000020004" pitchFamily="34" charset="-127"/>
+                <a:ea typeface="Malgun Gothic" panose="020B0503020000020004" pitchFamily="34" charset="-127"/>
+              </a:rPr>
+              <a:t> </a:t>
+            </a:r>
+            <a:r>
+              <a:rPr kumimoji="1" lang="en-US" altLang="en-US" b="1" dirty="0" err="1">
+                <a:solidFill>
+                  <a:schemeClr val="tx1"/>
+                </a:solidFill>
+                <a:latin typeface="Malgun Gothic" panose="020B0503020000020004" pitchFamily="34" charset="-127"/>
+                <a:ea typeface="Malgun Gothic" panose="020B0503020000020004" pitchFamily="34" charset="-127"/>
+              </a:rPr>
+              <a:t>모든</a:t>
+            </a:r>
+            <a:r>
+              <a:rPr kumimoji="1" lang="en-US" altLang="en-US" b="1" dirty="0">
+                <a:solidFill>
+                  <a:schemeClr val="tx1"/>
+                </a:solidFill>
+                <a:latin typeface="Malgun Gothic" panose="020B0503020000020004" pitchFamily="34" charset="-127"/>
+                <a:ea typeface="Malgun Gothic" panose="020B0503020000020004" pitchFamily="34" charset="-127"/>
+              </a:rPr>
+              <a:t> </a:t>
+            </a:r>
+            <a:r>
+              <a:rPr kumimoji="1" lang="en-US" altLang="en-US" b="1" dirty="0" err="1">
+                <a:solidFill>
+                  <a:schemeClr val="tx1"/>
+                </a:solidFill>
+                <a:latin typeface="Malgun Gothic" panose="020B0503020000020004" pitchFamily="34" charset="-127"/>
+                <a:ea typeface="Malgun Gothic" panose="020B0503020000020004" pitchFamily="34" charset="-127"/>
+              </a:rPr>
+              <a:t>데이터의</a:t>
+            </a:r>
+            <a:r>
+              <a:rPr kumimoji="1" lang="en-US" altLang="en-US" b="1" dirty="0">
+                <a:solidFill>
+                  <a:schemeClr val="tx1"/>
+                </a:solidFill>
+                <a:latin typeface="Malgun Gothic" panose="020B0503020000020004" pitchFamily="34" charset="-127"/>
+                <a:ea typeface="Malgun Gothic" panose="020B0503020000020004" pitchFamily="34" charset="-127"/>
+              </a:rPr>
+              <a:t> </a:t>
+            </a:r>
+            <a:r>
+              <a:rPr kumimoji="1" lang="en-US" altLang="en-US" b="1" dirty="0" err="1">
+                <a:solidFill>
+                  <a:schemeClr val="tx1"/>
+                </a:solidFill>
+                <a:latin typeface="Malgun Gothic" panose="020B0503020000020004" pitchFamily="34" charset="-127"/>
+                <a:ea typeface="Malgun Gothic" panose="020B0503020000020004" pitchFamily="34" charset="-127"/>
+              </a:rPr>
+              <a:t>변화를</a:t>
+            </a:r>
+            <a:r>
+              <a:rPr kumimoji="1" lang="en-US" altLang="en-US" b="1" dirty="0">
+                <a:solidFill>
+                  <a:schemeClr val="tx1"/>
+                </a:solidFill>
+                <a:latin typeface="Malgun Gothic" panose="020B0503020000020004" pitchFamily="34" charset="-127"/>
+                <a:ea typeface="Malgun Gothic" panose="020B0503020000020004" pitchFamily="34" charset="-127"/>
+              </a:rPr>
+              <a:t> </a:t>
+            </a:r>
+            <a:r>
+              <a:rPr kumimoji="1" lang="en-US" altLang="en-US" b="1" dirty="0" err="1">
+                <a:solidFill>
+                  <a:schemeClr val="tx1"/>
+                </a:solidFill>
+                <a:latin typeface="Malgun Gothic" panose="020B0503020000020004" pitchFamily="34" charset="-127"/>
+                <a:ea typeface="Malgun Gothic" panose="020B0503020000020004" pitchFamily="34" charset="-127"/>
+              </a:rPr>
+              <a:t>관찰해</a:t>
+            </a:r>
+            <a:r>
+              <a:rPr kumimoji="1" lang="en-US" altLang="en-US" b="1" dirty="0">
+                <a:solidFill>
+                  <a:schemeClr val="tx1"/>
+                </a:solidFill>
+                <a:latin typeface="Malgun Gothic" panose="020B0503020000020004" pitchFamily="34" charset="-127"/>
+                <a:ea typeface="Malgun Gothic" panose="020B0503020000020004" pitchFamily="34" charset="-127"/>
+              </a:rPr>
+              <a:t> </a:t>
+            </a:r>
+            <a:r>
+              <a:rPr kumimoji="1" lang="en-US" altLang="en-US" b="1" dirty="0" err="1">
+                <a:solidFill>
+                  <a:schemeClr val="tx1"/>
+                </a:solidFill>
+                <a:latin typeface="Malgun Gothic" panose="020B0503020000020004" pitchFamily="34" charset="-127"/>
+                <a:ea typeface="Malgun Gothic" panose="020B0503020000020004" pitchFamily="34" charset="-127"/>
+              </a:rPr>
+              <a:t>다른</a:t>
+            </a:r>
+            <a:r>
+              <a:rPr kumimoji="1" lang="en-US" altLang="en-US" b="1" dirty="0">
+                <a:solidFill>
+                  <a:schemeClr val="tx1"/>
+                </a:solidFill>
+                <a:latin typeface="Malgun Gothic" panose="020B0503020000020004" pitchFamily="34" charset="-127"/>
+                <a:ea typeface="Malgun Gothic" panose="020B0503020000020004" pitchFamily="34" charset="-127"/>
+              </a:rPr>
+              <a:t> </a:t>
+            </a:r>
+            <a:r>
+              <a:rPr kumimoji="1" lang="en-US" altLang="en-US" b="1" dirty="0" err="1">
+                <a:solidFill>
+                  <a:schemeClr val="tx1"/>
+                </a:solidFill>
+                <a:latin typeface="Malgun Gothic" panose="020B0503020000020004" pitchFamily="34" charset="-127"/>
+                <a:ea typeface="Malgun Gothic" panose="020B0503020000020004" pitchFamily="34" charset="-127"/>
+              </a:rPr>
+              <a:t>시스템으로</a:t>
+            </a:r>
+            <a:r>
+              <a:rPr kumimoji="1" lang="en-US" altLang="en-US" b="1" dirty="0">
+                <a:solidFill>
+                  <a:schemeClr val="tx1"/>
+                </a:solidFill>
+                <a:latin typeface="Malgun Gothic" panose="020B0503020000020004" pitchFamily="34" charset="-127"/>
+                <a:ea typeface="Malgun Gothic" panose="020B0503020000020004" pitchFamily="34" charset="-127"/>
+              </a:rPr>
+              <a:t> </a:t>
+            </a:r>
+            <a:r>
+              <a:rPr kumimoji="1" lang="en-US" altLang="en-US" b="1" dirty="0" err="1">
+                <a:solidFill>
+                  <a:schemeClr val="tx1"/>
+                </a:solidFill>
+                <a:latin typeface="Malgun Gothic" panose="020B0503020000020004" pitchFamily="34" charset="-127"/>
+                <a:ea typeface="Malgun Gothic" panose="020B0503020000020004" pitchFamily="34" charset="-127"/>
+              </a:rPr>
+              <a:t>데이터를</a:t>
+            </a:r>
+            <a:r>
+              <a:rPr kumimoji="1" lang="en-US" altLang="en-US" b="1" dirty="0">
+                <a:solidFill>
+                  <a:schemeClr val="tx1"/>
+                </a:solidFill>
+                <a:latin typeface="Malgun Gothic" panose="020B0503020000020004" pitchFamily="34" charset="-127"/>
+                <a:ea typeface="Malgun Gothic" panose="020B0503020000020004" pitchFamily="34" charset="-127"/>
+              </a:rPr>
+              <a:t> </a:t>
+            </a:r>
+            <a:r>
+              <a:rPr kumimoji="1" lang="en-US" altLang="en-US" b="1" dirty="0" err="1">
+                <a:solidFill>
+                  <a:schemeClr val="tx1"/>
+                </a:solidFill>
+                <a:latin typeface="Malgun Gothic" panose="020B0503020000020004" pitchFamily="34" charset="-127"/>
+                <a:ea typeface="Malgun Gothic" panose="020B0503020000020004" pitchFamily="34" charset="-127"/>
+              </a:rPr>
+              <a:t>복제할</a:t>
+            </a:r>
+            <a:r>
+              <a:rPr kumimoji="1" lang="en-US" altLang="en-US" b="1" dirty="0">
+                <a:solidFill>
+                  <a:schemeClr val="tx1"/>
+                </a:solidFill>
+                <a:latin typeface="Malgun Gothic" panose="020B0503020000020004" pitchFamily="34" charset="-127"/>
+                <a:ea typeface="Malgun Gothic" panose="020B0503020000020004" pitchFamily="34" charset="-127"/>
+              </a:rPr>
+              <a:t> </a:t>
+            </a:r>
+            <a:r>
+              <a:rPr kumimoji="1" lang="en-US" altLang="en-US" b="1" dirty="0" err="1">
+                <a:solidFill>
+                  <a:schemeClr val="tx1"/>
+                </a:solidFill>
+                <a:latin typeface="Malgun Gothic" panose="020B0503020000020004" pitchFamily="34" charset="-127"/>
+                <a:ea typeface="Malgun Gothic" panose="020B0503020000020004" pitchFamily="34" charset="-127"/>
+              </a:rPr>
+              <a:t>수</a:t>
+            </a:r>
+            <a:r>
+              <a:rPr kumimoji="1" lang="en-US" altLang="en-US" b="1" dirty="0">
+                <a:solidFill>
+                  <a:schemeClr val="tx1"/>
+                </a:solidFill>
+                <a:latin typeface="Malgun Gothic" panose="020B0503020000020004" pitchFamily="34" charset="-127"/>
+                <a:ea typeface="Malgun Gothic" panose="020B0503020000020004" pitchFamily="34" charset="-127"/>
+              </a:rPr>
+              <a:t> </a:t>
+            </a:r>
+            <a:r>
+              <a:rPr kumimoji="1" lang="en-US" altLang="en-US" b="1" dirty="0" err="1">
+                <a:solidFill>
+                  <a:schemeClr val="tx1"/>
+                </a:solidFill>
+                <a:latin typeface="Malgun Gothic" panose="020B0503020000020004" pitchFamily="34" charset="-127"/>
+                <a:ea typeface="Malgun Gothic" panose="020B0503020000020004" pitchFamily="34" charset="-127"/>
+              </a:rPr>
+              <a:t>있는</a:t>
+            </a:r>
+            <a:r>
+              <a:rPr kumimoji="1" lang="en-US" altLang="en-US" b="1" dirty="0">
+                <a:solidFill>
+                  <a:schemeClr val="tx1"/>
+                </a:solidFill>
+                <a:latin typeface="Malgun Gothic" panose="020B0503020000020004" pitchFamily="34" charset="-127"/>
+                <a:ea typeface="Malgun Gothic" panose="020B0503020000020004" pitchFamily="34" charset="-127"/>
+              </a:rPr>
+              <a:t> </a:t>
+            </a:r>
+            <a:r>
+              <a:rPr kumimoji="1" lang="en-US" altLang="en-US" b="1" dirty="0" err="1">
+                <a:solidFill>
+                  <a:schemeClr val="tx1"/>
+                </a:solidFill>
+                <a:latin typeface="Malgun Gothic" panose="020B0503020000020004" pitchFamily="34" charset="-127"/>
+                <a:ea typeface="Malgun Gothic" panose="020B0503020000020004" pitchFamily="34" charset="-127"/>
+              </a:rPr>
+              <a:t>형태로</a:t>
+            </a:r>
+            <a:r>
+              <a:rPr kumimoji="1" lang="en-US" altLang="en-US" b="1" dirty="0">
+                <a:solidFill>
+                  <a:schemeClr val="tx1"/>
+                </a:solidFill>
+                <a:latin typeface="Malgun Gothic" panose="020B0503020000020004" pitchFamily="34" charset="-127"/>
+                <a:ea typeface="Malgun Gothic" panose="020B0503020000020004" pitchFamily="34" charset="-127"/>
+              </a:rPr>
+              <a:t> </a:t>
+            </a:r>
+            <a:r>
+              <a:rPr kumimoji="1" lang="en-US" altLang="en-US" b="1" dirty="0" err="1">
+                <a:solidFill>
+                  <a:schemeClr val="tx1"/>
+                </a:solidFill>
+                <a:latin typeface="Malgun Gothic" panose="020B0503020000020004" pitchFamily="34" charset="-127"/>
+                <a:ea typeface="Malgun Gothic" panose="020B0503020000020004" pitchFamily="34" charset="-127"/>
+              </a:rPr>
+              <a:t>추출하는</a:t>
+            </a:r>
+            <a:r>
+              <a:rPr kumimoji="1" lang="en-US" altLang="en-US" b="1" dirty="0">
+                <a:solidFill>
+                  <a:schemeClr val="tx1"/>
+                </a:solidFill>
+                <a:latin typeface="Malgun Gothic" panose="020B0503020000020004" pitchFamily="34" charset="-127"/>
+                <a:ea typeface="Malgun Gothic" panose="020B0503020000020004" pitchFamily="34" charset="-127"/>
+              </a:rPr>
+              <a:t> </a:t>
+            </a:r>
+            <a:r>
+              <a:rPr kumimoji="1" lang="en-US" altLang="en-US" b="1" dirty="0" err="1">
+                <a:solidFill>
+                  <a:schemeClr val="tx1"/>
+                </a:solidFill>
+                <a:latin typeface="Malgun Gothic" panose="020B0503020000020004" pitchFamily="34" charset="-127"/>
+                <a:ea typeface="Malgun Gothic" panose="020B0503020000020004" pitchFamily="34" charset="-127"/>
+              </a:rPr>
+              <a:t>과정을</a:t>
+            </a:r>
+            <a:r>
+              <a:rPr kumimoji="1" lang="en-US" altLang="en-US" b="1" dirty="0">
+                <a:solidFill>
+                  <a:schemeClr val="tx1"/>
+                </a:solidFill>
+                <a:latin typeface="Malgun Gothic" panose="020B0503020000020004" pitchFamily="34" charset="-127"/>
+                <a:ea typeface="Malgun Gothic" panose="020B0503020000020004" pitchFamily="34" charset="-127"/>
+              </a:rPr>
+              <a:t> </a:t>
+            </a:r>
+            <a:r>
+              <a:rPr kumimoji="1" lang="en-US" altLang="en-US" b="1" dirty="0" err="1">
+                <a:solidFill>
+                  <a:schemeClr val="tx1"/>
+                </a:solidFill>
+                <a:latin typeface="Malgun Gothic" panose="020B0503020000020004" pitchFamily="34" charset="-127"/>
+                <a:ea typeface="Malgun Gothic" panose="020B0503020000020004" pitchFamily="34" charset="-127"/>
+              </a:rPr>
+              <a:t>일컬음</a:t>
+            </a:r>
+            <a:r>
+              <a:rPr kumimoji="1" lang="en-US" altLang="en-US" b="1" dirty="0">
+                <a:solidFill>
+                  <a:schemeClr val="tx1"/>
+                </a:solidFill>
+                <a:latin typeface="Malgun Gothic" panose="020B0503020000020004" pitchFamily="34" charset="-127"/>
+                <a:ea typeface="Malgun Gothic" panose="020B0503020000020004" pitchFamily="34" charset="-127"/>
+              </a:rPr>
+              <a:t>  </a:t>
+            </a:r>
+            <a:endParaRPr kumimoji="1" lang="en-US" altLang="en-US" sz="1400" b="1" dirty="0">
+              <a:solidFill>
+                <a:schemeClr val="tx1"/>
+              </a:solidFill>
+              <a:latin typeface="Malgun Gothic" panose="020B0503020000020004" pitchFamily="34" charset="-127"/>
+              <a:ea typeface="Malgun Gothic" panose="020B0503020000020004" pitchFamily="34" charset="-127"/>
+            </a:endParaRPr>
+          </a:p>
+          <a:p>
+            <a:pPr marL="285750" indent="-285750">
+              <a:buFont typeface="Arial" panose="020B0604020202020204" pitchFamily="34" charset="0"/>
+              <a:buChar char="•"/>
+            </a:pPr>
+            <a:r>
+              <a:rPr kumimoji="1" lang="en-US" altLang="en-US" sz="1400" dirty="0" err="1">
+                <a:solidFill>
+                  <a:schemeClr val="tx1"/>
+                </a:solidFill>
+                <a:latin typeface="Malgun Gothic" panose="020B0503020000020004" pitchFamily="34" charset="-127"/>
+                <a:ea typeface="Malgun Gothic" panose="020B0503020000020004" pitchFamily="34" charset="-127"/>
+              </a:rPr>
+              <a:t>데이터베이스</a:t>
+            </a:r>
+            <a:r>
+              <a:rPr kumimoji="1" lang="en-US" altLang="en-US" sz="1400" dirty="0">
+                <a:solidFill>
+                  <a:schemeClr val="tx1"/>
+                </a:solidFill>
+                <a:latin typeface="Malgun Gothic" panose="020B0503020000020004" pitchFamily="34" charset="-127"/>
+                <a:ea typeface="Malgun Gothic" panose="020B0503020000020004" pitchFamily="34" charset="-127"/>
+              </a:rPr>
+              <a:t> </a:t>
+            </a:r>
+            <a:r>
+              <a:rPr kumimoji="1" lang="en-US" altLang="en-US" sz="1400" dirty="0" err="1">
+                <a:solidFill>
+                  <a:schemeClr val="tx1"/>
+                </a:solidFill>
+                <a:latin typeface="Malgun Gothic" panose="020B0503020000020004" pitchFamily="34" charset="-127"/>
+                <a:ea typeface="Malgun Gothic" panose="020B0503020000020004" pitchFamily="34" charset="-127"/>
+              </a:rPr>
+              <a:t>변경</a:t>
+            </a:r>
+            <a:r>
+              <a:rPr kumimoji="1" lang="en-US" altLang="en-US" sz="1400" dirty="0">
+                <a:solidFill>
+                  <a:schemeClr val="tx1"/>
+                </a:solidFill>
+                <a:latin typeface="Malgun Gothic" panose="020B0503020000020004" pitchFamily="34" charset="-127"/>
+                <a:ea typeface="Malgun Gothic" panose="020B0503020000020004" pitchFamily="34" charset="-127"/>
+              </a:rPr>
+              <a:t> </a:t>
+            </a:r>
+            <a:r>
+              <a:rPr kumimoji="1" lang="en-US" altLang="en-US" sz="1400" dirty="0" err="1">
+                <a:solidFill>
+                  <a:schemeClr val="tx1"/>
+                </a:solidFill>
+                <a:latin typeface="Malgun Gothic" panose="020B0503020000020004" pitchFamily="34" charset="-127"/>
+                <a:ea typeface="Malgun Gothic" panose="020B0503020000020004" pitchFamily="34" charset="-127"/>
+              </a:rPr>
+              <a:t>사항을</a:t>
+            </a:r>
+            <a:r>
+              <a:rPr kumimoji="1" lang="en-US" altLang="en-US" sz="1400" dirty="0">
+                <a:solidFill>
+                  <a:schemeClr val="tx1"/>
+                </a:solidFill>
+                <a:latin typeface="Malgun Gothic" panose="020B0503020000020004" pitchFamily="34" charset="-127"/>
+                <a:ea typeface="Malgun Gothic" panose="020B0503020000020004" pitchFamily="34" charset="-127"/>
+              </a:rPr>
+              <a:t> </a:t>
+            </a:r>
+            <a:r>
+              <a:rPr kumimoji="1" lang="en-US" altLang="en-US" sz="1400" dirty="0" err="1">
+                <a:solidFill>
+                  <a:schemeClr val="tx1"/>
+                </a:solidFill>
+                <a:latin typeface="Malgun Gothic" panose="020B0503020000020004" pitchFamily="34" charset="-127"/>
+                <a:ea typeface="Malgun Gothic" panose="020B0503020000020004" pitchFamily="34" charset="-127"/>
+              </a:rPr>
+              <a:t>캡처해</a:t>
+            </a:r>
+            <a:r>
+              <a:rPr kumimoji="1" lang="en-US" altLang="en-US" sz="1400" dirty="0">
+                <a:solidFill>
+                  <a:schemeClr val="tx1"/>
+                </a:solidFill>
+                <a:latin typeface="Malgun Gothic" panose="020B0503020000020004" pitchFamily="34" charset="-127"/>
+                <a:ea typeface="Malgun Gothic" panose="020B0503020000020004" pitchFamily="34" charset="-127"/>
+              </a:rPr>
+              <a:t> </a:t>
+            </a:r>
+            <a:r>
+              <a:rPr kumimoji="1" lang="en-US" altLang="en-US" sz="1400" dirty="0" err="1">
+                <a:solidFill>
+                  <a:schemeClr val="tx1"/>
+                </a:solidFill>
+                <a:latin typeface="Malgun Gothic" panose="020B0503020000020004" pitchFamily="34" charset="-127"/>
+                <a:ea typeface="Malgun Gothic" panose="020B0503020000020004" pitchFamily="34" charset="-127"/>
+              </a:rPr>
+              <a:t>같은</a:t>
+            </a:r>
+            <a:r>
+              <a:rPr kumimoji="1" lang="en-US" altLang="en-US" sz="1400" dirty="0">
+                <a:solidFill>
+                  <a:schemeClr val="tx1"/>
+                </a:solidFill>
+                <a:latin typeface="Malgun Gothic" panose="020B0503020000020004" pitchFamily="34" charset="-127"/>
+                <a:ea typeface="Malgun Gothic" panose="020B0503020000020004" pitchFamily="34" charset="-127"/>
+              </a:rPr>
+              <a:t> </a:t>
+            </a:r>
+            <a:r>
+              <a:rPr kumimoji="1" lang="en-US" altLang="en-US" sz="1400" dirty="0" err="1">
+                <a:solidFill>
+                  <a:schemeClr val="tx1"/>
+                </a:solidFill>
+                <a:latin typeface="Malgun Gothic" panose="020B0503020000020004" pitchFamily="34" charset="-127"/>
+                <a:ea typeface="Malgun Gothic" panose="020B0503020000020004" pitchFamily="34" charset="-127"/>
+              </a:rPr>
+              <a:t>변경</a:t>
+            </a:r>
+            <a:r>
+              <a:rPr kumimoji="1" lang="en-US" altLang="en-US" sz="1400" dirty="0">
+                <a:solidFill>
+                  <a:schemeClr val="tx1"/>
+                </a:solidFill>
+                <a:latin typeface="Malgun Gothic" panose="020B0503020000020004" pitchFamily="34" charset="-127"/>
+                <a:ea typeface="Malgun Gothic" panose="020B0503020000020004" pitchFamily="34" charset="-127"/>
+              </a:rPr>
+              <a:t> </a:t>
+            </a:r>
+            <a:r>
+              <a:rPr kumimoji="1" lang="en-US" altLang="en-US" sz="1400" dirty="0" err="1">
+                <a:solidFill>
+                  <a:schemeClr val="tx1"/>
+                </a:solidFill>
+                <a:latin typeface="Malgun Gothic" panose="020B0503020000020004" pitchFamily="34" charset="-127"/>
+                <a:ea typeface="Malgun Gothic" panose="020B0503020000020004" pitchFamily="34" charset="-127"/>
+              </a:rPr>
+              <a:t>사항을</a:t>
+            </a:r>
+            <a:r>
+              <a:rPr kumimoji="1" lang="en-US" altLang="en-US" sz="1400" dirty="0">
+                <a:solidFill>
+                  <a:schemeClr val="tx1"/>
+                </a:solidFill>
+                <a:latin typeface="Malgun Gothic" panose="020B0503020000020004" pitchFamily="34" charset="-127"/>
+                <a:ea typeface="Malgun Gothic" panose="020B0503020000020004" pitchFamily="34" charset="-127"/>
+              </a:rPr>
+              <a:t> </a:t>
+            </a:r>
+            <a:r>
+              <a:rPr kumimoji="1" lang="en-US" altLang="en-US" sz="1400" dirty="0" err="1">
+                <a:solidFill>
+                  <a:schemeClr val="tx1"/>
+                </a:solidFill>
+                <a:latin typeface="Malgun Gothic" panose="020B0503020000020004" pitchFamily="34" charset="-127"/>
+                <a:ea typeface="Malgun Gothic" panose="020B0503020000020004" pitchFamily="34" charset="-127"/>
+              </a:rPr>
+              <a:t>검색</a:t>
+            </a:r>
+            <a:r>
+              <a:rPr kumimoji="1" lang="en-US" altLang="en-US" sz="1400" dirty="0">
+                <a:solidFill>
+                  <a:schemeClr val="tx1"/>
+                </a:solidFill>
+                <a:latin typeface="Malgun Gothic" panose="020B0503020000020004" pitchFamily="34" charset="-127"/>
+                <a:ea typeface="Malgun Gothic" panose="020B0503020000020004" pitchFamily="34" charset="-127"/>
+              </a:rPr>
+              <a:t> </a:t>
+            </a:r>
+            <a:r>
+              <a:rPr kumimoji="1" lang="en-US" altLang="en-US" sz="1400" dirty="0" err="1">
+                <a:solidFill>
+                  <a:schemeClr val="tx1"/>
+                </a:solidFill>
+                <a:latin typeface="Malgun Gothic" panose="020B0503020000020004" pitchFamily="34" charset="-127"/>
+                <a:ea typeface="Malgun Gothic" panose="020B0503020000020004" pitchFamily="34" charset="-127"/>
+              </a:rPr>
+              <a:t>색인에</a:t>
+            </a:r>
+            <a:r>
+              <a:rPr kumimoji="1" lang="en-US" altLang="en-US" sz="1400" dirty="0">
+                <a:solidFill>
+                  <a:schemeClr val="tx1"/>
+                </a:solidFill>
+                <a:latin typeface="Malgun Gothic" panose="020B0503020000020004" pitchFamily="34" charset="-127"/>
+                <a:ea typeface="Malgun Gothic" panose="020B0503020000020004" pitchFamily="34" charset="-127"/>
+              </a:rPr>
+              <a:t> </a:t>
+            </a:r>
+            <a:r>
+              <a:rPr kumimoji="1" lang="en-US" altLang="en-US" sz="1400" dirty="0" err="1">
+                <a:solidFill>
+                  <a:schemeClr val="tx1"/>
+                </a:solidFill>
+                <a:latin typeface="Malgun Gothic" panose="020B0503020000020004" pitchFamily="34" charset="-127"/>
+                <a:ea typeface="Malgun Gothic" panose="020B0503020000020004" pitchFamily="34" charset="-127"/>
+              </a:rPr>
+              <a:t>꾸준히</a:t>
+            </a:r>
+            <a:r>
+              <a:rPr kumimoji="1" lang="en-US" altLang="en-US" sz="1400" dirty="0">
+                <a:solidFill>
+                  <a:schemeClr val="tx1"/>
+                </a:solidFill>
+                <a:latin typeface="Malgun Gothic" panose="020B0503020000020004" pitchFamily="34" charset="-127"/>
+                <a:ea typeface="Malgun Gothic" panose="020B0503020000020004" pitchFamily="34" charset="-127"/>
+              </a:rPr>
+              <a:t> </a:t>
+            </a:r>
+            <a:r>
+              <a:rPr kumimoji="1" lang="en-US" altLang="en-US" sz="1400" dirty="0" err="1">
+                <a:solidFill>
+                  <a:schemeClr val="tx1"/>
+                </a:solidFill>
+                <a:latin typeface="Malgun Gothic" panose="020B0503020000020004" pitchFamily="34" charset="-127"/>
+                <a:ea typeface="Malgun Gothic" panose="020B0503020000020004" pitchFamily="34" charset="-127"/>
+              </a:rPr>
+              <a:t>반영</a:t>
+            </a:r>
+            <a:endParaRPr kumimoji="1" lang="en-US" altLang="en-US" sz="1400" dirty="0">
+              <a:solidFill>
+                <a:schemeClr val="tx1"/>
+              </a:solidFill>
+              <a:latin typeface="Malgun Gothic" panose="020B0503020000020004" pitchFamily="34" charset="-127"/>
+              <a:ea typeface="Malgun Gothic" panose="020B0503020000020004" pitchFamily="34" charset="-127"/>
+            </a:endParaRPr>
+          </a:p>
+          <a:p>
+            <a:pPr marL="285750" indent="-285750">
+              <a:buFont typeface="Arial" panose="020B0604020202020204" pitchFamily="34" charset="0"/>
+              <a:buChar char="•"/>
+            </a:pPr>
+            <a:r>
+              <a:rPr kumimoji="1" lang="en-US" altLang="en-US" sz="1400" dirty="0" err="1">
+                <a:solidFill>
+                  <a:schemeClr val="tx1"/>
+                </a:solidFill>
+                <a:latin typeface="Malgun Gothic" panose="020B0503020000020004" pitchFamily="34" charset="-127"/>
+                <a:ea typeface="Malgun Gothic" panose="020B0503020000020004" pitchFamily="34" charset="-127"/>
+              </a:rPr>
+              <a:t>검색</a:t>
+            </a:r>
+            <a:r>
+              <a:rPr kumimoji="1" lang="en-US" altLang="en-US" sz="1400" dirty="0">
+                <a:solidFill>
+                  <a:schemeClr val="tx1"/>
+                </a:solidFill>
+                <a:latin typeface="Malgun Gothic" panose="020B0503020000020004" pitchFamily="34" charset="-127"/>
+                <a:ea typeface="Malgun Gothic" panose="020B0503020000020004" pitchFamily="34" charset="-127"/>
+              </a:rPr>
+              <a:t> </a:t>
+            </a:r>
+            <a:r>
+              <a:rPr kumimoji="1" lang="en-US" altLang="en-US" sz="1400" dirty="0" err="1">
+                <a:solidFill>
+                  <a:schemeClr val="tx1"/>
+                </a:solidFill>
+                <a:latin typeface="Malgun Gothic" panose="020B0503020000020004" pitchFamily="34" charset="-127"/>
+                <a:ea typeface="Malgun Gothic" panose="020B0503020000020004" pitchFamily="34" charset="-127"/>
+              </a:rPr>
+              <a:t>색인</a:t>
+            </a:r>
+            <a:r>
+              <a:rPr kumimoji="1" lang="en-US" altLang="en-US" sz="1400" dirty="0">
+                <a:solidFill>
+                  <a:schemeClr val="tx1"/>
+                </a:solidFill>
+                <a:latin typeface="Malgun Gothic" panose="020B0503020000020004" pitchFamily="34" charset="-127"/>
+                <a:ea typeface="Malgun Gothic" panose="020B0503020000020004" pitchFamily="34" charset="-127"/>
+              </a:rPr>
+              <a:t> </a:t>
+            </a:r>
+            <a:r>
+              <a:rPr kumimoji="1" lang="en-US" altLang="en-US" sz="1400" dirty="0" err="1">
+                <a:solidFill>
+                  <a:schemeClr val="tx1"/>
+                </a:solidFill>
+                <a:latin typeface="Malgun Gothic" panose="020B0503020000020004" pitchFamily="34" charset="-127"/>
+                <a:ea typeface="Malgun Gothic" panose="020B0503020000020004" pitchFamily="34" charset="-127"/>
+              </a:rPr>
+              <a:t>뿐만</a:t>
+            </a:r>
+            <a:r>
+              <a:rPr kumimoji="1" lang="en-US" altLang="en-US" sz="1400" dirty="0">
+                <a:solidFill>
+                  <a:schemeClr val="tx1"/>
+                </a:solidFill>
+                <a:latin typeface="Malgun Gothic" panose="020B0503020000020004" pitchFamily="34" charset="-127"/>
+                <a:ea typeface="Malgun Gothic" panose="020B0503020000020004" pitchFamily="34" charset="-127"/>
+              </a:rPr>
+              <a:t> </a:t>
+            </a:r>
+            <a:r>
+              <a:rPr kumimoji="1" lang="en-US" altLang="en-US" sz="1400" dirty="0" err="1">
+                <a:solidFill>
+                  <a:schemeClr val="tx1"/>
+                </a:solidFill>
+                <a:latin typeface="Malgun Gothic" panose="020B0503020000020004" pitchFamily="34" charset="-127"/>
+                <a:ea typeface="Malgun Gothic" panose="020B0503020000020004" pitchFamily="34" charset="-127"/>
+              </a:rPr>
+              <a:t>아니라</a:t>
+            </a:r>
+            <a:r>
+              <a:rPr kumimoji="1" lang="en-US" altLang="en-US" sz="1400" dirty="0">
+                <a:solidFill>
+                  <a:schemeClr val="tx1"/>
+                </a:solidFill>
+                <a:latin typeface="Malgun Gothic" panose="020B0503020000020004" pitchFamily="34" charset="-127"/>
+                <a:ea typeface="Malgun Gothic" panose="020B0503020000020004" pitchFamily="34" charset="-127"/>
+              </a:rPr>
+              <a:t> </a:t>
+            </a:r>
+            <a:r>
+              <a:rPr kumimoji="1" lang="en-US" altLang="en-US" sz="1400" dirty="0" err="1">
+                <a:solidFill>
+                  <a:schemeClr val="tx1"/>
+                </a:solidFill>
+                <a:latin typeface="Malgun Gothic" panose="020B0503020000020004" pitchFamily="34" charset="-127"/>
+                <a:ea typeface="Malgun Gothic" panose="020B0503020000020004" pitchFamily="34" charset="-127"/>
+              </a:rPr>
+              <a:t>다른</a:t>
+            </a:r>
+            <a:r>
+              <a:rPr kumimoji="1" lang="en-US" altLang="en-US" sz="1400" dirty="0">
+                <a:solidFill>
+                  <a:schemeClr val="tx1"/>
+                </a:solidFill>
+                <a:latin typeface="Malgun Gothic" panose="020B0503020000020004" pitchFamily="34" charset="-127"/>
+                <a:ea typeface="Malgun Gothic" panose="020B0503020000020004" pitchFamily="34" charset="-127"/>
+              </a:rPr>
+              <a:t> </a:t>
+            </a:r>
+            <a:r>
+              <a:rPr kumimoji="1" lang="en-US" altLang="en-US" sz="1400" dirty="0" err="1">
+                <a:solidFill>
+                  <a:schemeClr val="tx1"/>
+                </a:solidFill>
+                <a:latin typeface="Malgun Gothic" panose="020B0503020000020004" pitchFamily="34" charset="-127"/>
+                <a:ea typeface="Malgun Gothic" panose="020B0503020000020004" pitchFamily="34" charset="-127"/>
+              </a:rPr>
+              <a:t>파생</a:t>
+            </a:r>
+            <a:r>
+              <a:rPr kumimoji="1" lang="en-US" altLang="en-US" sz="1400" dirty="0">
+                <a:solidFill>
+                  <a:schemeClr val="tx1"/>
+                </a:solidFill>
+                <a:latin typeface="Malgun Gothic" panose="020B0503020000020004" pitchFamily="34" charset="-127"/>
+                <a:ea typeface="Malgun Gothic" panose="020B0503020000020004" pitchFamily="34" charset="-127"/>
+              </a:rPr>
+              <a:t> </a:t>
+            </a:r>
+            <a:r>
+              <a:rPr kumimoji="1" lang="en-US" altLang="en-US" sz="1400" dirty="0" err="1">
+                <a:solidFill>
+                  <a:schemeClr val="tx1"/>
+                </a:solidFill>
+                <a:latin typeface="Malgun Gothic" panose="020B0503020000020004" pitchFamily="34" charset="-127"/>
+                <a:ea typeface="Malgun Gothic" panose="020B0503020000020004" pitchFamily="34" charset="-127"/>
+              </a:rPr>
+              <a:t>데이터</a:t>
+            </a:r>
+            <a:r>
+              <a:rPr kumimoji="1" lang="en-US" altLang="en-US" sz="1400" dirty="0">
+                <a:solidFill>
+                  <a:schemeClr val="tx1"/>
+                </a:solidFill>
+                <a:latin typeface="Malgun Gothic" panose="020B0503020000020004" pitchFamily="34" charset="-127"/>
+                <a:ea typeface="Malgun Gothic" panose="020B0503020000020004" pitchFamily="34" charset="-127"/>
+              </a:rPr>
+              <a:t> </a:t>
+            </a:r>
+            <a:r>
+              <a:rPr kumimoji="1" lang="en-US" altLang="en-US" sz="1400" dirty="0" err="1">
+                <a:solidFill>
+                  <a:schemeClr val="tx1"/>
+                </a:solidFill>
+                <a:latin typeface="Malgun Gothic" panose="020B0503020000020004" pitchFamily="34" charset="-127"/>
+                <a:ea typeface="Malgun Gothic" panose="020B0503020000020004" pitchFamily="34" charset="-127"/>
+              </a:rPr>
+              <a:t>시스템도</a:t>
+            </a:r>
+            <a:r>
+              <a:rPr kumimoji="1" lang="en-US" altLang="en-US" sz="1400" dirty="0">
+                <a:solidFill>
+                  <a:schemeClr val="tx1"/>
+                </a:solidFill>
+                <a:latin typeface="Malgun Gothic" panose="020B0503020000020004" pitchFamily="34" charset="-127"/>
+                <a:ea typeface="Malgun Gothic" panose="020B0503020000020004" pitchFamily="34" charset="-127"/>
+              </a:rPr>
+              <a:t> </a:t>
+            </a:r>
+            <a:r>
+              <a:rPr kumimoji="1" lang="en-US" altLang="en-US" sz="1400" dirty="0" err="1">
+                <a:solidFill>
+                  <a:schemeClr val="tx1"/>
+                </a:solidFill>
+                <a:latin typeface="Malgun Gothic" panose="020B0503020000020004" pitchFamily="34" charset="-127"/>
+                <a:ea typeface="Malgun Gothic" panose="020B0503020000020004" pitchFamily="34" charset="-127"/>
+              </a:rPr>
+              <a:t>단지</a:t>
+            </a:r>
+            <a:r>
+              <a:rPr kumimoji="1" lang="en-US" altLang="en-US" sz="1400" dirty="0">
+                <a:solidFill>
+                  <a:schemeClr val="tx1"/>
+                </a:solidFill>
+                <a:latin typeface="Malgun Gothic" panose="020B0503020000020004" pitchFamily="34" charset="-127"/>
+                <a:ea typeface="Malgun Gothic" panose="020B0503020000020004" pitchFamily="34" charset="-127"/>
+              </a:rPr>
+              <a:t> </a:t>
+            </a:r>
+            <a:r>
+              <a:rPr kumimoji="1" lang="en-US" altLang="en-US" sz="1400" dirty="0" err="1">
+                <a:solidFill>
+                  <a:schemeClr val="tx1"/>
+                </a:solidFill>
+                <a:latin typeface="Malgun Gothic" panose="020B0503020000020004" pitchFamily="34" charset="-127"/>
+                <a:ea typeface="Malgun Gothic" panose="020B0503020000020004" pitchFamily="34" charset="-127"/>
+              </a:rPr>
+              <a:t>변경</a:t>
+            </a:r>
+            <a:r>
+              <a:rPr kumimoji="1" lang="en-US" altLang="en-US" sz="1400" dirty="0">
+                <a:solidFill>
+                  <a:schemeClr val="tx1"/>
+                </a:solidFill>
+                <a:latin typeface="Malgun Gothic" panose="020B0503020000020004" pitchFamily="34" charset="-127"/>
+                <a:ea typeface="Malgun Gothic" panose="020B0503020000020004" pitchFamily="34" charset="-127"/>
+              </a:rPr>
+              <a:t> </a:t>
+            </a:r>
+            <a:r>
+              <a:rPr kumimoji="1" lang="en-US" altLang="en-US" sz="1400" dirty="0" err="1">
+                <a:solidFill>
+                  <a:schemeClr val="tx1"/>
+                </a:solidFill>
+                <a:latin typeface="Malgun Gothic" panose="020B0503020000020004" pitchFamily="34" charset="-127"/>
+                <a:ea typeface="Malgun Gothic" panose="020B0503020000020004" pitchFamily="34" charset="-127"/>
+              </a:rPr>
+              <a:t>스트림의</a:t>
+            </a:r>
+            <a:r>
+              <a:rPr kumimoji="1" lang="en-US" altLang="en-US" sz="1400" dirty="0">
+                <a:solidFill>
+                  <a:schemeClr val="tx1"/>
+                </a:solidFill>
+                <a:latin typeface="Malgun Gothic" panose="020B0503020000020004" pitchFamily="34" charset="-127"/>
+                <a:ea typeface="Malgun Gothic" panose="020B0503020000020004" pitchFamily="34" charset="-127"/>
+              </a:rPr>
+              <a:t> </a:t>
+            </a:r>
+            <a:r>
+              <a:rPr kumimoji="1" lang="en-US" altLang="en-US" sz="1400" dirty="0" err="1">
+                <a:solidFill>
+                  <a:schemeClr val="tx1"/>
+                </a:solidFill>
+                <a:latin typeface="Malgun Gothic" panose="020B0503020000020004" pitchFamily="34" charset="-127"/>
+                <a:ea typeface="Malgun Gothic" panose="020B0503020000020004" pitchFamily="34" charset="-127"/>
+              </a:rPr>
+              <a:t>소비자임</a:t>
+            </a:r>
+            <a:endParaRPr kumimoji="1" lang="en-US" altLang="en-US" sz="1400" dirty="0">
+              <a:solidFill>
+                <a:schemeClr val="tx1"/>
+              </a:solidFill>
+              <a:latin typeface="Malgun Gothic" panose="020B0503020000020004" pitchFamily="34" charset="-127"/>
+              <a:ea typeface="Malgun Gothic" panose="020B0503020000020004" pitchFamily="34" charset="-127"/>
+            </a:endParaRPr>
+          </a:p>
+          <a:p>
+            <a:pPr marL="285750" indent="-285750">
+              <a:buFont typeface="Arial" panose="020B0604020202020204" pitchFamily="34" charset="0"/>
+              <a:buChar char="•"/>
+            </a:pPr>
+            <a:r>
+              <a:rPr kumimoji="1" lang="en-US" altLang="en-US" sz="1400" dirty="0" err="1">
+                <a:solidFill>
+                  <a:schemeClr val="tx1"/>
+                </a:solidFill>
+                <a:latin typeface="Malgun Gothic" panose="020B0503020000020004" pitchFamily="34" charset="-127"/>
+                <a:ea typeface="Malgun Gothic" panose="020B0503020000020004" pitchFamily="34" charset="-127"/>
+              </a:rPr>
+              <a:t>변경</a:t>
+            </a:r>
+            <a:r>
+              <a:rPr kumimoji="1" lang="en-US" altLang="en-US" sz="1400" dirty="0">
+                <a:solidFill>
+                  <a:schemeClr val="tx1"/>
+                </a:solidFill>
+                <a:latin typeface="Malgun Gothic" panose="020B0503020000020004" pitchFamily="34" charset="-127"/>
+                <a:ea typeface="Malgun Gothic" panose="020B0503020000020004" pitchFamily="34" charset="-127"/>
+              </a:rPr>
+              <a:t> </a:t>
+            </a:r>
+            <a:r>
+              <a:rPr kumimoji="1" lang="en-US" altLang="en-US" sz="1400" dirty="0" err="1">
+                <a:solidFill>
+                  <a:schemeClr val="tx1"/>
+                </a:solidFill>
+                <a:latin typeface="Malgun Gothic" panose="020B0503020000020004" pitchFamily="34" charset="-127"/>
+                <a:ea typeface="Malgun Gothic" panose="020B0503020000020004" pitchFamily="34" charset="-127"/>
+              </a:rPr>
+              <a:t>데이터</a:t>
+            </a:r>
+            <a:r>
+              <a:rPr kumimoji="1" lang="en-US" altLang="en-US" sz="1400" dirty="0">
+                <a:solidFill>
+                  <a:schemeClr val="tx1"/>
+                </a:solidFill>
+                <a:latin typeface="Malgun Gothic" panose="020B0503020000020004" pitchFamily="34" charset="-127"/>
+                <a:ea typeface="Malgun Gothic" panose="020B0503020000020004" pitchFamily="34" charset="-127"/>
+              </a:rPr>
+              <a:t> </a:t>
+            </a:r>
+            <a:r>
+              <a:rPr kumimoji="1" lang="en-US" altLang="en-US" sz="1400" dirty="0" err="1">
+                <a:solidFill>
+                  <a:schemeClr val="tx1"/>
+                </a:solidFill>
+                <a:latin typeface="Malgun Gothic" panose="020B0503020000020004" pitchFamily="34" charset="-127"/>
+                <a:ea typeface="Malgun Gothic" panose="020B0503020000020004" pitchFamily="34" charset="-127"/>
+              </a:rPr>
+              <a:t>캡처는</a:t>
+            </a:r>
+            <a:r>
+              <a:rPr kumimoji="1" lang="en-US" altLang="en-US" sz="1400" dirty="0">
+                <a:solidFill>
+                  <a:schemeClr val="tx1"/>
+                </a:solidFill>
+                <a:latin typeface="Malgun Gothic" panose="020B0503020000020004" pitchFamily="34" charset="-127"/>
+                <a:ea typeface="Malgun Gothic" panose="020B0503020000020004" pitchFamily="34" charset="-127"/>
+              </a:rPr>
+              <a:t> </a:t>
+            </a:r>
+            <a:r>
+              <a:rPr kumimoji="1" lang="en-US" altLang="en-US" sz="1400" u="sng" dirty="0" err="1">
+                <a:solidFill>
+                  <a:schemeClr val="tx1"/>
+                </a:solidFill>
+                <a:latin typeface="Malgun Gothic" panose="020B0503020000020004" pitchFamily="34" charset="-127"/>
+                <a:ea typeface="Malgun Gothic" panose="020B0503020000020004" pitchFamily="34" charset="-127"/>
+              </a:rPr>
+              <a:t>파생</a:t>
+            </a:r>
+            <a:r>
+              <a:rPr kumimoji="1" lang="en-US" altLang="en-US" sz="1400" u="sng" dirty="0">
+                <a:solidFill>
+                  <a:schemeClr val="tx1"/>
+                </a:solidFill>
+                <a:latin typeface="Malgun Gothic" panose="020B0503020000020004" pitchFamily="34" charset="-127"/>
+                <a:ea typeface="Malgun Gothic" panose="020B0503020000020004" pitchFamily="34" charset="-127"/>
+              </a:rPr>
+              <a:t> </a:t>
+            </a:r>
+            <a:r>
+              <a:rPr kumimoji="1" lang="en-US" altLang="en-US" sz="1400" u="sng" dirty="0" err="1">
+                <a:solidFill>
+                  <a:schemeClr val="tx1"/>
+                </a:solidFill>
+                <a:latin typeface="Malgun Gothic" panose="020B0503020000020004" pitchFamily="34" charset="-127"/>
+                <a:ea typeface="Malgun Gothic" panose="020B0503020000020004" pitchFamily="34" charset="-127"/>
+              </a:rPr>
+              <a:t>데이터</a:t>
+            </a:r>
+            <a:r>
+              <a:rPr kumimoji="1" lang="en-US" altLang="en-US" sz="1400" u="sng" dirty="0">
+                <a:solidFill>
+                  <a:schemeClr val="tx1"/>
+                </a:solidFill>
+                <a:latin typeface="Malgun Gothic" panose="020B0503020000020004" pitchFamily="34" charset="-127"/>
+                <a:ea typeface="Malgun Gothic" panose="020B0503020000020004" pitchFamily="34" charset="-127"/>
+              </a:rPr>
+              <a:t> </a:t>
+            </a:r>
+            <a:r>
+              <a:rPr kumimoji="1" lang="en-US" altLang="en-US" sz="1400" u="sng" dirty="0" err="1">
+                <a:solidFill>
+                  <a:schemeClr val="tx1"/>
+                </a:solidFill>
+                <a:latin typeface="Malgun Gothic" panose="020B0503020000020004" pitchFamily="34" charset="-127"/>
+                <a:ea typeface="Malgun Gothic" panose="020B0503020000020004" pitchFamily="34" charset="-127"/>
+              </a:rPr>
+              <a:t>시스템</a:t>
+            </a:r>
+            <a:r>
+              <a:rPr kumimoji="1" lang="en-US" altLang="en-US" sz="1400" dirty="0" err="1">
+                <a:solidFill>
+                  <a:schemeClr val="tx1"/>
+                </a:solidFill>
+                <a:latin typeface="Malgun Gothic" panose="020B0503020000020004" pitchFamily="34" charset="-127"/>
+                <a:ea typeface="Malgun Gothic" panose="020B0503020000020004" pitchFamily="34" charset="-127"/>
+              </a:rPr>
+              <a:t>이</a:t>
+            </a:r>
+            <a:r>
+              <a:rPr kumimoji="1" lang="en-US" altLang="en-US" sz="1400" dirty="0">
+                <a:solidFill>
+                  <a:schemeClr val="tx1"/>
+                </a:solidFill>
+                <a:latin typeface="Malgun Gothic" panose="020B0503020000020004" pitchFamily="34" charset="-127"/>
+                <a:ea typeface="Malgun Gothic" panose="020B0503020000020004" pitchFamily="34" charset="-127"/>
+              </a:rPr>
+              <a:t> </a:t>
+            </a:r>
+            <a:r>
+              <a:rPr kumimoji="1" lang="en-US" altLang="en-US" sz="1400" u="sng" dirty="0" err="1">
+                <a:solidFill>
+                  <a:schemeClr val="tx1"/>
+                </a:solidFill>
+                <a:latin typeface="Malgun Gothic" panose="020B0503020000020004" pitchFamily="34" charset="-127"/>
+                <a:ea typeface="Malgun Gothic" panose="020B0503020000020004" pitchFamily="34" charset="-127"/>
+              </a:rPr>
+              <a:t>레코드</a:t>
+            </a:r>
+            <a:r>
+              <a:rPr kumimoji="1" lang="en-US" altLang="en-US" sz="1400" u="sng" dirty="0">
+                <a:solidFill>
+                  <a:schemeClr val="tx1"/>
+                </a:solidFill>
+                <a:latin typeface="Malgun Gothic" panose="020B0503020000020004" pitchFamily="34" charset="-127"/>
+                <a:ea typeface="Malgun Gothic" panose="020B0503020000020004" pitchFamily="34" charset="-127"/>
+              </a:rPr>
+              <a:t> </a:t>
+            </a:r>
+            <a:r>
+              <a:rPr kumimoji="1" lang="en-US" altLang="en-US" sz="1400" u="sng" dirty="0" err="1">
+                <a:solidFill>
+                  <a:schemeClr val="tx1"/>
+                </a:solidFill>
+                <a:latin typeface="Malgun Gothic" panose="020B0503020000020004" pitchFamily="34" charset="-127"/>
+                <a:ea typeface="Malgun Gothic" panose="020B0503020000020004" pitchFamily="34" charset="-127"/>
+              </a:rPr>
+              <a:t>시스템의</a:t>
+            </a:r>
+            <a:r>
+              <a:rPr kumimoji="1" lang="en-US" altLang="en-US" sz="1400" u="sng" dirty="0">
+                <a:solidFill>
+                  <a:schemeClr val="tx1"/>
+                </a:solidFill>
+                <a:latin typeface="Malgun Gothic" panose="020B0503020000020004" pitchFamily="34" charset="-127"/>
+                <a:ea typeface="Malgun Gothic" panose="020B0503020000020004" pitchFamily="34" charset="-127"/>
+              </a:rPr>
+              <a:t> </a:t>
+            </a:r>
+            <a:r>
+              <a:rPr kumimoji="1" lang="en-US" altLang="en-US" sz="1400" u="sng" dirty="0" err="1">
+                <a:solidFill>
+                  <a:schemeClr val="tx1"/>
+                </a:solidFill>
+                <a:latin typeface="Malgun Gothic" panose="020B0503020000020004" pitchFamily="34" charset="-127"/>
+                <a:ea typeface="Malgun Gothic" panose="020B0503020000020004" pitchFamily="34" charset="-127"/>
+              </a:rPr>
+              <a:t>정확한</a:t>
+            </a:r>
+            <a:r>
+              <a:rPr kumimoji="1" lang="en-US" altLang="en-US" sz="1400" u="sng" dirty="0">
+                <a:solidFill>
+                  <a:schemeClr val="tx1"/>
+                </a:solidFill>
+                <a:latin typeface="Malgun Gothic" panose="020B0503020000020004" pitchFamily="34" charset="-127"/>
+                <a:ea typeface="Malgun Gothic" panose="020B0503020000020004" pitchFamily="34" charset="-127"/>
+              </a:rPr>
+              <a:t> </a:t>
+            </a:r>
+            <a:r>
+              <a:rPr kumimoji="1" lang="en-US" altLang="en-US" sz="1400" u="sng" dirty="0" err="1">
+                <a:solidFill>
+                  <a:schemeClr val="tx1"/>
+                </a:solidFill>
+                <a:latin typeface="Malgun Gothic" panose="020B0503020000020004" pitchFamily="34" charset="-127"/>
+                <a:ea typeface="Malgun Gothic" panose="020B0503020000020004" pitchFamily="34" charset="-127"/>
+              </a:rPr>
+              <a:t>데이터</a:t>
+            </a:r>
+            <a:r>
+              <a:rPr kumimoji="1" lang="en-US" altLang="en-US" sz="1400" u="sng" dirty="0">
+                <a:solidFill>
+                  <a:schemeClr val="tx1"/>
+                </a:solidFill>
+                <a:latin typeface="Malgun Gothic" panose="020B0503020000020004" pitchFamily="34" charset="-127"/>
+                <a:ea typeface="Malgun Gothic" panose="020B0503020000020004" pitchFamily="34" charset="-127"/>
+              </a:rPr>
+              <a:t> </a:t>
+            </a:r>
+            <a:r>
+              <a:rPr kumimoji="1" lang="en-US" altLang="en-US" sz="1400" u="sng" dirty="0" err="1">
+                <a:solidFill>
+                  <a:schemeClr val="tx1"/>
+                </a:solidFill>
+                <a:latin typeface="Malgun Gothic" panose="020B0503020000020004" pitchFamily="34" charset="-127"/>
+                <a:ea typeface="Malgun Gothic" panose="020B0503020000020004" pitchFamily="34" charset="-127"/>
+              </a:rPr>
+              <a:t>복제본</a:t>
+            </a:r>
+            <a:r>
+              <a:rPr kumimoji="1" lang="en-US" altLang="en-US" sz="1400" dirty="0" err="1">
+                <a:solidFill>
+                  <a:schemeClr val="tx1"/>
+                </a:solidFill>
+                <a:latin typeface="Malgun Gothic" panose="020B0503020000020004" pitchFamily="34" charset="-127"/>
+                <a:ea typeface="Malgun Gothic" panose="020B0503020000020004" pitchFamily="34" charset="-127"/>
+              </a:rPr>
+              <a:t>을</a:t>
+            </a:r>
+            <a:r>
+              <a:rPr kumimoji="1" lang="en-US" altLang="en-US" sz="1400" dirty="0">
+                <a:solidFill>
+                  <a:schemeClr val="tx1"/>
+                </a:solidFill>
+                <a:latin typeface="Malgun Gothic" panose="020B0503020000020004" pitchFamily="34" charset="-127"/>
+                <a:ea typeface="Malgun Gothic" panose="020B0503020000020004" pitchFamily="34" charset="-127"/>
+              </a:rPr>
+              <a:t> </a:t>
+            </a:r>
+            <a:r>
+              <a:rPr kumimoji="1" lang="en-US" altLang="en-US" sz="1400" dirty="0" err="1">
+                <a:solidFill>
+                  <a:schemeClr val="tx1"/>
+                </a:solidFill>
+                <a:latin typeface="Malgun Gothic" panose="020B0503020000020004" pitchFamily="34" charset="-127"/>
+                <a:ea typeface="Malgun Gothic" panose="020B0503020000020004" pitchFamily="34" charset="-127"/>
+              </a:rPr>
+              <a:t>가지게</a:t>
+            </a:r>
+            <a:r>
+              <a:rPr kumimoji="1" lang="en-US" altLang="en-US" sz="1400" dirty="0">
+                <a:solidFill>
+                  <a:schemeClr val="tx1"/>
+                </a:solidFill>
+                <a:latin typeface="Malgun Gothic" panose="020B0503020000020004" pitchFamily="34" charset="-127"/>
+                <a:ea typeface="Malgun Gothic" panose="020B0503020000020004" pitchFamily="34" charset="-127"/>
+              </a:rPr>
+              <a:t> </a:t>
+            </a:r>
+            <a:r>
+              <a:rPr kumimoji="1" lang="en-US" altLang="en-US" sz="1400" dirty="0" err="1">
+                <a:solidFill>
+                  <a:schemeClr val="tx1"/>
+                </a:solidFill>
+                <a:latin typeface="Malgun Gothic" panose="020B0503020000020004" pitchFamily="34" charset="-127"/>
+                <a:ea typeface="Malgun Gothic" panose="020B0503020000020004" pitchFamily="34" charset="-127"/>
+              </a:rPr>
+              <a:t>하기</a:t>
+            </a:r>
+            <a:r>
+              <a:rPr kumimoji="1" lang="en-US" altLang="en-US" sz="1400" dirty="0">
+                <a:solidFill>
+                  <a:schemeClr val="tx1"/>
+                </a:solidFill>
+                <a:latin typeface="Malgun Gothic" panose="020B0503020000020004" pitchFamily="34" charset="-127"/>
+                <a:ea typeface="Malgun Gothic" panose="020B0503020000020004" pitchFamily="34" charset="-127"/>
+              </a:rPr>
+              <a:t> </a:t>
+            </a:r>
+            <a:r>
+              <a:rPr kumimoji="1" lang="en-US" altLang="en-US" sz="1400" dirty="0" err="1">
+                <a:solidFill>
+                  <a:schemeClr val="tx1"/>
+                </a:solidFill>
+                <a:latin typeface="Malgun Gothic" panose="020B0503020000020004" pitchFamily="34" charset="-127"/>
+                <a:ea typeface="Malgun Gothic" panose="020B0503020000020004" pitchFamily="34" charset="-127"/>
+              </a:rPr>
+              <a:t>위해</a:t>
+            </a:r>
+            <a:r>
+              <a:rPr kumimoji="1" lang="en-US" altLang="en-US" sz="1400" dirty="0">
+                <a:solidFill>
+                  <a:schemeClr val="tx1"/>
+                </a:solidFill>
+                <a:latin typeface="Malgun Gothic" panose="020B0503020000020004" pitchFamily="34" charset="-127"/>
+                <a:ea typeface="Malgun Gothic" panose="020B0503020000020004" pitchFamily="34" charset="-127"/>
+              </a:rPr>
+              <a:t> </a:t>
+            </a:r>
+            <a:r>
+              <a:rPr kumimoji="1" lang="en-US" altLang="en-US" sz="1400" dirty="0" err="1">
+                <a:solidFill>
+                  <a:schemeClr val="tx1"/>
+                </a:solidFill>
+                <a:latin typeface="Malgun Gothic" panose="020B0503020000020004" pitchFamily="34" charset="-127"/>
+                <a:ea typeface="Malgun Gothic" panose="020B0503020000020004" pitchFamily="34" charset="-127"/>
+              </a:rPr>
+              <a:t>레코드</a:t>
+            </a:r>
+            <a:r>
+              <a:rPr kumimoji="1" lang="en-US" altLang="en-US" sz="1400" dirty="0">
+                <a:solidFill>
+                  <a:schemeClr val="tx1"/>
+                </a:solidFill>
+                <a:latin typeface="Malgun Gothic" panose="020B0503020000020004" pitchFamily="34" charset="-127"/>
+                <a:ea typeface="Malgun Gothic" panose="020B0503020000020004" pitchFamily="34" charset="-127"/>
+              </a:rPr>
+              <a:t> </a:t>
+            </a:r>
+            <a:r>
+              <a:rPr kumimoji="1" lang="en-US" altLang="en-US" sz="1400" dirty="0" err="1">
+                <a:solidFill>
+                  <a:schemeClr val="tx1"/>
+                </a:solidFill>
+                <a:latin typeface="Malgun Gothic" panose="020B0503020000020004" pitchFamily="34" charset="-127"/>
+                <a:ea typeface="Malgun Gothic" panose="020B0503020000020004" pitchFamily="34" charset="-127"/>
+              </a:rPr>
+              <a:t>시스템에</a:t>
+            </a:r>
+            <a:r>
+              <a:rPr kumimoji="1" lang="en-US" altLang="en-US" sz="1400" dirty="0">
+                <a:solidFill>
+                  <a:schemeClr val="tx1"/>
+                </a:solidFill>
+                <a:latin typeface="Malgun Gothic" panose="020B0503020000020004" pitchFamily="34" charset="-127"/>
+                <a:ea typeface="Malgun Gothic" panose="020B0503020000020004" pitchFamily="34" charset="-127"/>
+              </a:rPr>
+              <a:t> </a:t>
+            </a:r>
+            <a:r>
+              <a:rPr kumimoji="1" lang="en-US" altLang="en-US" sz="1400" dirty="0" err="1">
+                <a:solidFill>
+                  <a:schemeClr val="tx1"/>
+                </a:solidFill>
+                <a:latin typeface="Malgun Gothic" panose="020B0503020000020004" pitchFamily="34" charset="-127"/>
+                <a:ea typeface="Malgun Gothic" panose="020B0503020000020004" pitchFamily="34" charset="-127"/>
+              </a:rPr>
+              <a:t>발생하는</a:t>
+            </a:r>
+            <a:r>
+              <a:rPr kumimoji="1" lang="en-US" altLang="en-US" sz="1400" dirty="0">
+                <a:solidFill>
+                  <a:schemeClr val="tx1"/>
+                </a:solidFill>
+                <a:latin typeface="Malgun Gothic" panose="020B0503020000020004" pitchFamily="34" charset="-127"/>
+                <a:ea typeface="Malgun Gothic" panose="020B0503020000020004" pitchFamily="34" charset="-127"/>
+              </a:rPr>
+              <a:t> </a:t>
+            </a:r>
+            <a:r>
+              <a:rPr kumimoji="1" lang="en-US" altLang="en-US" sz="1400" dirty="0" err="1">
+                <a:solidFill>
+                  <a:schemeClr val="tx1"/>
+                </a:solidFill>
+                <a:latin typeface="Malgun Gothic" panose="020B0503020000020004" pitchFamily="34" charset="-127"/>
+                <a:ea typeface="Malgun Gothic" panose="020B0503020000020004" pitchFamily="34" charset="-127"/>
+              </a:rPr>
+              <a:t>모든</a:t>
+            </a:r>
+            <a:r>
+              <a:rPr kumimoji="1" lang="en-US" altLang="en-US" sz="1400" dirty="0">
+                <a:solidFill>
+                  <a:schemeClr val="tx1"/>
+                </a:solidFill>
+                <a:latin typeface="Malgun Gothic" panose="020B0503020000020004" pitchFamily="34" charset="-127"/>
+                <a:ea typeface="Malgun Gothic" panose="020B0503020000020004" pitchFamily="34" charset="-127"/>
+              </a:rPr>
+              <a:t> </a:t>
+            </a:r>
+            <a:r>
+              <a:rPr kumimoji="1" lang="en-US" altLang="en-US" sz="1400" dirty="0" err="1">
+                <a:solidFill>
+                  <a:schemeClr val="tx1"/>
+                </a:solidFill>
+                <a:latin typeface="Malgun Gothic" panose="020B0503020000020004" pitchFamily="34" charset="-127"/>
+                <a:ea typeface="Malgun Gothic" panose="020B0503020000020004" pitchFamily="34" charset="-127"/>
+              </a:rPr>
+              <a:t>변경</a:t>
+            </a:r>
+            <a:r>
+              <a:rPr kumimoji="1" lang="en-US" altLang="en-US" sz="1400" dirty="0">
+                <a:solidFill>
+                  <a:schemeClr val="tx1"/>
+                </a:solidFill>
+                <a:latin typeface="Malgun Gothic" panose="020B0503020000020004" pitchFamily="34" charset="-127"/>
+                <a:ea typeface="Malgun Gothic" panose="020B0503020000020004" pitchFamily="34" charset="-127"/>
+              </a:rPr>
+              <a:t> </a:t>
+            </a:r>
+            <a:r>
+              <a:rPr kumimoji="1" lang="en-US" altLang="en-US" sz="1400" dirty="0" err="1">
+                <a:solidFill>
+                  <a:schemeClr val="tx1"/>
+                </a:solidFill>
+                <a:latin typeface="Malgun Gothic" panose="020B0503020000020004" pitchFamily="34" charset="-127"/>
+                <a:ea typeface="Malgun Gothic" panose="020B0503020000020004" pitchFamily="34" charset="-127"/>
+              </a:rPr>
+              <a:t>사항을</a:t>
+            </a:r>
+            <a:r>
+              <a:rPr kumimoji="1" lang="en-US" altLang="en-US" sz="1400" dirty="0">
+                <a:solidFill>
+                  <a:schemeClr val="tx1"/>
+                </a:solidFill>
+                <a:latin typeface="Malgun Gothic" panose="020B0503020000020004" pitchFamily="34" charset="-127"/>
+                <a:ea typeface="Malgun Gothic" panose="020B0503020000020004" pitchFamily="34" charset="-127"/>
+              </a:rPr>
+              <a:t> </a:t>
+            </a:r>
+            <a:r>
+              <a:rPr kumimoji="1" lang="en-US" altLang="en-US" sz="1400" dirty="0" err="1">
+                <a:solidFill>
+                  <a:schemeClr val="tx1"/>
+                </a:solidFill>
+                <a:latin typeface="Malgun Gothic" panose="020B0503020000020004" pitchFamily="34" charset="-127"/>
+                <a:ea typeface="Malgun Gothic" panose="020B0503020000020004" pitchFamily="34" charset="-127"/>
+              </a:rPr>
+              <a:t>파생</a:t>
+            </a:r>
+            <a:r>
+              <a:rPr kumimoji="1" lang="en-US" altLang="en-US" sz="1400" dirty="0">
+                <a:solidFill>
+                  <a:schemeClr val="tx1"/>
+                </a:solidFill>
+                <a:latin typeface="Malgun Gothic" panose="020B0503020000020004" pitchFamily="34" charset="-127"/>
+                <a:ea typeface="Malgun Gothic" panose="020B0503020000020004" pitchFamily="34" charset="-127"/>
+              </a:rPr>
+              <a:t> </a:t>
+            </a:r>
+            <a:r>
+              <a:rPr kumimoji="1" lang="en-US" altLang="en-US" sz="1400" dirty="0" err="1">
+                <a:solidFill>
+                  <a:schemeClr val="tx1"/>
+                </a:solidFill>
+                <a:latin typeface="Malgun Gothic" panose="020B0503020000020004" pitchFamily="34" charset="-127"/>
+                <a:ea typeface="Malgun Gothic" panose="020B0503020000020004" pitchFamily="34" charset="-127"/>
+              </a:rPr>
+              <a:t>데이터</a:t>
+            </a:r>
+            <a:r>
+              <a:rPr kumimoji="1" lang="en-US" altLang="en-US" sz="1400" dirty="0">
+                <a:solidFill>
+                  <a:schemeClr val="tx1"/>
+                </a:solidFill>
+                <a:latin typeface="Malgun Gothic" panose="020B0503020000020004" pitchFamily="34" charset="-127"/>
+                <a:ea typeface="Malgun Gothic" panose="020B0503020000020004" pitchFamily="34" charset="-127"/>
+              </a:rPr>
+              <a:t> </a:t>
+            </a:r>
+            <a:r>
+              <a:rPr kumimoji="1" lang="en-US" altLang="en-US" sz="1400" dirty="0" err="1">
+                <a:solidFill>
+                  <a:schemeClr val="tx1"/>
+                </a:solidFill>
+                <a:latin typeface="Malgun Gothic" panose="020B0503020000020004" pitchFamily="34" charset="-127"/>
+                <a:ea typeface="Malgun Gothic" panose="020B0503020000020004" pitchFamily="34" charset="-127"/>
+              </a:rPr>
+              <a:t>시스템에</a:t>
+            </a:r>
+            <a:r>
+              <a:rPr kumimoji="1" lang="en-US" altLang="en-US" sz="1400" dirty="0">
+                <a:solidFill>
+                  <a:schemeClr val="tx1"/>
+                </a:solidFill>
+                <a:latin typeface="Malgun Gothic" panose="020B0503020000020004" pitchFamily="34" charset="-127"/>
+                <a:ea typeface="Malgun Gothic" panose="020B0503020000020004" pitchFamily="34" charset="-127"/>
+              </a:rPr>
+              <a:t> </a:t>
+            </a:r>
+            <a:r>
+              <a:rPr kumimoji="1" lang="en-US" altLang="en-US" sz="1400" dirty="0" err="1">
+                <a:solidFill>
+                  <a:schemeClr val="tx1"/>
+                </a:solidFill>
+                <a:latin typeface="Malgun Gothic" panose="020B0503020000020004" pitchFamily="34" charset="-127"/>
+                <a:ea typeface="Malgun Gothic" panose="020B0503020000020004" pitchFamily="34" charset="-127"/>
+              </a:rPr>
+              <a:t>반영하는</a:t>
+            </a:r>
+            <a:r>
+              <a:rPr kumimoji="1" lang="en-US" altLang="en-US" sz="1400" dirty="0">
+                <a:solidFill>
+                  <a:schemeClr val="tx1"/>
+                </a:solidFill>
+                <a:latin typeface="Malgun Gothic" panose="020B0503020000020004" pitchFamily="34" charset="-127"/>
+                <a:ea typeface="Malgun Gothic" panose="020B0503020000020004" pitchFamily="34" charset="-127"/>
+              </a:rPr>
+              <a:t> </a:t>
+            </a:r>
+            <a:r>
+              <a:rPr kumimoji="1" lang="en-US" altLang="en-US" sz="1400" dirty="0" err="1">
+                <a:solidFill>
+                  <a:schemeClr val="tx1"/>
+                </a:solidFill>
+                <a:latin typeface="Malgun Gothic" panose="020B0503020000020004" pitchFamily="34" charset="-127"/>
+                <a:ea typeface="Malgun Gothic" panose="020B0503020000020004" pitchFamily="34" charset="-127"/>
+              </a:rPr>
+              <a:t>것을</a:t>
+            </a:r>
+            <a:r>
+              <a:rPr kumimoji="1" lang="en-US" altLang="en-US" sz="1400" dirty="0">
+                <a:solidFill>
+                  <a:schemeClr val="tx1"/>
+                </a:solidFill>
+                <a:latin typeface="Malgun Gothic" panose="020B0503020000020004" pitchFamily="34" charset="-127"/>
+                <a:ea typeface="Malgun Gothic" panose="020B0503020000020004" pitchFamily="34" charset="-127"/>
+              </a:rPr>
+              <a:t> </a:t>
+            </a:r>
+            <a:r>
+              <a:rPr kumimoji="1" lang="en-US" altLang="en-US" sz="1400" dirty="0" err="1">
+                <a:solidFill>
+                  <a:schemeClr val="tx1"/>
+                </a:solidFill>
+                <a:latin typeface="Malgun Gothic" panose="020B0503020000020004" pitchFamily="34" charset="-127"/>
+                <a:ea typeface="Malgun Gothic" panose="020B0503020000020004" pitchFamily="34" charset="-127"/>
+              </a:rPr>
+              <a:t>보장하는</a:t>
+            </a:r>
+            <a:r>
+              <a:rPr kumimoji="1" lang="en-US" altLang="en-US" sz="1400" dirty="0">
+                <a:solidFill>
+                  <a:schemeClr val="tx1"/>
+                </a:solidFill>
+                <a:latin typeface="Malgun Gothic" panose="020B0503020000020004" pitchFamily="34" charset="-127"/>
+                <a:ea typeface="Malgun Gothic" panose="020B0503020000020004" pitchFamily="34" charset="-127"/>
+              </a:rPr>
+              <a:t> </a:t>
+            </a:r>
+            <a:r>
+              <a:rPr kumimoji="1" lang="en-US" altLang="en-US" sz="1400" dirty="0" err="1">
+                <a:solidFill>
+                  <a:schemeClr val="tx1"/>
+                </a:solidFill>
+                <a:latin typeface="Malgun Gothic" panose="020B0503020000020004" pitchFamily="34" charset="-127"/>
+                <a:ea typeface="Malgun Gothic" panose="020B0503020000020004" pitchFamily="34" charset="-127"/>
+              </a:rPr>
+              <a:t>메커니즘</a:t>
+            </a:r>
+            <a:endParaRPr kumimoji="1" lang="en-US" altLang="en-US" sz="1400" dirty="0">
+              <a:solidFill>
+                <a:schemeClr val="tx1"/>
+              </a:solidFill>
+              <a:latin typeface="Malgun Gothic" panose="020B0503020000020004" pitchFamily="34" charset="-127"/>
+              <a:ea typeface="Malgun Gothic" panose="020B0503020000020004" pitchFamily="34" charset="-127"/>
+            </a:endParaRPr>
+          </a:p>
+          <a:p>
+            <a:pPr marL="285750" indent="-285750">
+              <a:buFont typeface="Arial" panose="020B0604020202020204" pitchFamily="34" charset="0"/>
+              <a:buChar char="•"/>
+            </a:pPr>
+            <a:r>
+              <a:rPr kumimoji="1" lang="en-US" altLang="en-US" sz="1400" dirty="0" err="1">
+                <a:solidFill>
+                  <a:schemeClr val="tx1"/>
+                </a:solidFill>
+                <a:latin typeface="Malgun Gothic" panose="020B0503020000020004" pitchFamily="34" charset="-127"/>
+                <a:ea typeface="Malgun Gothic" panose="020B0503020000020004" pitchFamily="34" charset="-127"/>
+              </a:rPr>
+              <a:t>로그</a:t>
+            </a:r>
+            <a:r>
+              <a:rPr kumimoji="1" lang="en-US" altLang="en-US" sz="1400" dirty="0">
+                <a:solidFill>
+                  <a:schemeClr val="tx1"/>
+                </a:solidFill>
+                <a:latin typeface="Malgun Gothic" panose="020B0503020000020004" pitchFamily="34" charset="-127"/>
+                <a:ea typeface="Malgun Gothic" panose="020B0503020000020004" pitchFamily="34" charset="-127"/>
+              </a:rPr>
+              <a:t> </a:t>
+            </a:r>
+            <a:r>
+              <a:rPr kumimoji="1" lang="en-US" altLang="en-US" sz="1400" dirty="0" err="1">
+                <a:solidFill>
+                  <a:schemeClr val="tx1"/>
+                </a:solidFill>
+                <a:latin typeface="Malgun Gothic" panose="020B0503020000020004" pitchFamily="34" charset="-127"/>
+                <a:ea typeface="Malgun Gothic" panose="020B0503020000020004" pitchFamily="34" charset="-127"/>
+              </a:rPr>
+              <a:t>기반</a:t>
+            </a:r>
+            <a:r>
+              <a:rPr kumimoji="1" lang="en-US" altLang="en-US" sz="1400" dirty="0">
+                <a:solidFill>
+                  <a:schemeClr val="tx1"/>
+                </a:solidFill>
+                <a:latin typeface="Malgun Gothic" panose="020B0503020000020004" pitchFamily="34" charset="-127"/>
+                <a:ea typeface="Malgun Gothic" panose="020B0503020000020004" pitchFamily="34" charset="-127"/>
+              </a:rPr>
+              <a:t> </a:t>
+            </a:r>
+            <a:r>
+              <a:rPr kumimoji="1" lang="en-US" altLang="en-US" sz="1400" dirty="0" err="1">
+                <a:solidFill>
+                  <a:schemeClr val="tx1"/>
+                </a:solidFill>
+                <a:latin typeface="Malgun Gothic" panose="020B0503020000020004" pitchFamily="34" charset="-127"/>
+                <a:ea typeface="Malgun Gothic" panose="020B0503020000020004" pitchFamily="34" charset="-127"/>
+              </a:rPr>
+              <a:t>메시지</a:t>
+            </a:r>
+            <a:r>
+              <a:rPr kumimoji="1" lang="en-US" altLang="en-US" sz="1400" dirty="0">
+                <a:solidFill>
+                  <a:schemeClr val="tx1"/>
+                </a:solidFill>
+                <a:latin typeface="Malgun Gothic" panose="020B0503020000020004" pitchFamily="34" charset="-127"/>
+                <a:ea typeface="Malgun Gothic" panose="020B0503020000020004" pitchFamily="34" charset="-127"/>
+              </a:rPr>
+              <a:t> </a:t>
+            </a:r>
+            <a:r>
+              <a:rPr kumimoji="1" lang="en-US" altLang="en-US" sz="1400" dirty="0" err="1">
+                <a:solidFill>
+                  <a:schemeClr val="tx1"/>
+                </a:solidFill>
+                <a:latin typeface="Malgun Gothic" panose="020B0503020000020004" pitchFamily="34" charset="-127"/>
+                <a:ea typeface="Malgun Gothic" panose="020B0503020000020004" pitchFamily="34" charset="-127"/>
+              </a:rPr>
+              <a:t>브로커가</a:t>
+            </a:r>
+            <a:r>
+              <a:rPr kumimoji="1" lang="en-US" altLang="en-US" sz="1400" dirty="0">
+                <a:solidFill>
+                  <a:schemeClr val="tx1"/>
+                </a:solidFill>
+                <a:latin typeface="Malgun Gothic" panose="020B0503020000020004" pitchFamily="34" charset="-127"/>
+                <a:ea typeface="Malgun Gothic" panose="020B0503020000020004" pitchFamily="34" charset="-127"/>
+              </a:rPr>
+              <a:t> </a:t>
+            </a:r>
+            <a:r>
+              <a:rPr kumimoji="1" lang="en-US" altLang="en-US" sz="1400" dirty="0" err="1">
+                <a:solidFill>
+                  <a:schemeClr val="tx1"/>
+                </a:solidFill>
+                <a:latin typeface="Malgun Gothic" panose="020B0503020000020004" pitchFamily="34" charset="-127"/>
+                <a:ea typeface="Malgun Gothic" panose="020B0503020000020004" pitchFamily="34" charset="-127"/>
+              </a:rPr>
+              <a:t>원본</a:t>
+            </a:r>
+            <a:r>
+              <a:rPr kumimoji="1" lang="en-US" altLang="en-US" sz="1400" dirty="0">
+                <a:solidFill>
+                  <a:schemeClr val="tx1"/>
+                </a:solidFill>
+                <a:latin typeface="Malgun Gothic" panose="020B0503020000020004" pitchFamily="34" charset="-127"/>
+                <a:ea typeface="Malgun Gothic" panose="020B0503020000020004" pitchFamily="34" charset="-127"/>
+              </a:rPr>
+              <a:t> </a:t>
+            </a:r>
+            <a:r>
+              <a:rPr kumimoji="1" lang="en-US" altLang="en-US" sz="1400" dirty="0" err="1">
+                <a:solidFill>
+                  <a:schemeClr val="tx1"/>
+                </a:solidFill>
+                <a:latin typeface="Malgun Gothic" panose="020B0503020000020004" pitchFamily="34" charset="-127"/>
+                <a:ea typeface="Malgun Gothic" panose="020B0503020000020004" pitchFamily="34" charset="-127"/>
+              </a:rPr>
+              <a:t>데이터베이스에서</a:t>
+            </a:r>
+            <a:r>
+              <a:rPr kumimoji="1" lang="en-US" altLang="en-US" sz="1400" dirty="0">
+                <a:solidFill>
+                  <a:schemeClr val="tx1"/>
+                </a:solidFill>
+                <a:latin typeface="Malgun Gothic" panose="020B0503020000020004" pitchFamily="34" charset="-127"/>
+                <a:ea typeface="Malgun Gothic" panose="020B0503020000020004" pitchFamily="34" charset="-127"/>
+              </a:rPr>
+              <a:t> </a:t>
+            </a:r>
+            <a:r>
+              <a:rPr kumimoji="1" lang="en-US" altLang="en-US" sz="1400" dirty="0" err="1">
+                <a:solidFill>
+                  <a:schemeClr val="tx1"/>
+                </a:solidFill>
+                <a:latin typeface="Malgun Gothic" panose="020B0503020000020004" pitchFamily="34" charset="-127"/>
+                <a:ea typeface="Malgun Gothic" panose="020B0503020000020004" pitchFamily="34" charset="-127"/>
+              </a:rPr>
+              <a:t>변경</a:t>
+            </a:r>
+            <a:r>
+              <a:rPr kumimoji="1" lang="en-US" altLang="en-US" sz="1400" dirty="0">
+                <a:solidFill>
+                  <a:schemeClr val="tx1"/>
+                </a:solidFill>
+                <a:latin typeface="Malgun Gothic" panose="020B0503020000020004" pitchFamily="34" charset="-127"/>
+                <a:ea typeface="Malgun Gothic" panose="020B0503020000020004" pitchFamily="34" charset="-127"/>
+              </a:rPr>
+              <a:t> </a:t>
+            </a:r>
+            <a:r>
+              <a:rPr kumimoji="1" lang="en-US" altLang="en-US" sz="1400" dirty="0" err="1">
+                <a:solidFill>
+                  <a:schemeClr val="tx1"/>
+                </a:solidFill>
+                <a:latin typeface="Malgun Gothic" panose="020B0503020000020004" pitchFamily="34" charset="-127"/>
+                <a:ea typeface="Malgun Gothic" panose="020B0503020000020004" pitchFamily="34" charset="-127"/>
+              </a:rPr>
+              <a:t>이벤트를</a:t>
+            </a:r>
+            <a:r>
+              <a:rPr kumimoji="1" lang="en-US" altLang="en-US" sz="1400" dirty="0">
+                <a:solidFill>
+                  <a:schemeClr val="tx1"/>
+                </a:solidFill>
+                <a:latin typeface="Malgun Gothic" panose="020B0503020000020004" pitchFamily="34" charset="-127"/>
+                <a:ea typeface="Malgun Gothic" panose="020B0503020000020004" pitchFamily="34" charset="-127"/>
+              </a:rPr>
+              <a:t> </a:t>
+            </a:r>
+            <a:r>
+              <a:rPr kumimoji="1" lang="en-US" altLang="en-US" sz="1400" dirty="0" err="1">
+                <a:solidFill>
+                  <a:schemeClr val="tx1"/>
+                </a:solidFill>
+                <a:latin typeface="Malgun Gothic" panose="020B0503020000020004" pitchFamily="34" charset="-127"/>
+                <a:ea typeface="Malgun Gothic" panose="020B0503020000020004" pitchFamily="34" charset="-127"/>
+              </a:rPr>
+              <a:t>전송하기에</a:t>
+            </a:r>
+            <a:r>
+              <a:rPr kumimoji="1" lang="en-US" altLang="en-US" sz="1400" dirty="0">
+                <a:solidFill>
+                  <a:schemeClr val="tx1"/>
+                </a:solidFill>
+                <a:latin typeface="Malgun Gothic" panose="020B0503020000020004" pitchFamily="34" charset="-127"/>
+                <a:ea typeface="Malgun Gothic" panose="020B0503020000020004" pitchFamily="34" charset="-127"/>
+              </a:rPr>
+              <a:t> </a:t>
+            </a:r>
+            <a:r>
+              <a:rPr kumimoji="1" lang="en-US" altLang="en-US" sz="1400" dirty="0" err="1">
+                <a:solidFill>
+                  <a:schemeClr val="tx1"/>
+                </a:solidFill>
+                <a:latin typeface="Malgun Gothic" panose="020B0503020000020004" pitchFamily="34" charset="-127"/>
+                <a:ea typeface="Malgun Gothic" panose="020B0503020000020004" pitchFamily="34" charset="-127"/>
+              </a:rPr>
+              <a:t>적합</a:t>
+            </a:r>
+            <a:endParaRPr kumimoji="1" lang="en-US" altLang="en-US" sz="1400" dirty="0">
+              <a:solidFill>
+                <a:schemeClr val="tx1"/>
+              </a:solidFill>
+              <a:latin typeface="Malgun Gothic" panose="020B0503020000020004" pitchFamily="34" charset="-127"/>
+              <a:ea typeface="Malgun Gothic" panose="020B0503020000020004" pitchFamily="34" charset="-127"/>
+            </a:endParaRPr>
+          </a:p>
+          <a:p>
+            <a:pPr marL="285750" indent="-285750">
+              <a:buFont typeface="Arial" panose="020B0604020202020204" pitchFamily="34" charset="0"/>
+              <a:buChar char="•"/>
+            </a:pPr>
+            <a:endParaRPr kumimoji="1" lang="en-KR" altLang="en-US" sz="1400" dirty="0">
+              <a:solidFill>
+                <a:schemeClr val="tx1"/>
+              </a:solidFill>
+              <a:latin typeface="Malgun Gothic" panose="020B0503020000020004" pitchFamily="34" charset="-127"/>
+              <a:ea typeface="Malgun Gothic" panose="020B0503020000020004" pitchFamily="34" charset="-127"/>
+            </a:endParaRPr>
+          </a:p>
+          <a:p>
+            <a:r>
+              <a:rPr kumimoji="1" lang="ko-KR" altLang="en-US" b="1" dirty="0">
+                <a:solidFill>
+                  <a:schemeClr val="tx1"/>
+                </a:solidFill>
+                <a:latin typeface="Malgun Gothic" panose="020B0503020000020004" pitchFamily="34" charset="-127"/>
+                <a:ea typeface="Malgun Gothic" panose="020B0503020000020004" pitchFamily="34" charset="-127"/>
+              </a:rPr>
+              <a:t>모든 변경 사항을 영구적으로 보관할 수 없기때문에 로그 </a:t>
+            </a:r>
+            <a:r>
+              <a:rPr kumimoji="1" lang="ko-KR" altLang="en-US" b="1" dirty="0" err="1">
+                <a:solidFill>
+                  <a:schemeClr val="tx1"/>
+                </a:solidFill>
+                <a:latin typeface="Malgun Gothic" panose="020B0503020000020004" pitchFamily="34" charset="-127"/>
+                <a:ea typeface="Malgun Gothic" panose="020B0503020000020004" pitchFamily="34" charset="-127"/>
+              </a:rPr>
+              <a:t>컴팩션을</a:t>
+            </a:r>
+            <a:r>
+              <a:rPr kumimoji="1" lang="ko-KR" altLang="en-US" b="1" dirty="0">
+                <a:solidFill>
+                  <a:schemeClr val="tx1"/>
+                </a:solidFill>
+                <a:latin typeface="Malgun Gothic" panose="020B0503020000020004" pitchFamily="34" charset="-127"/>
+                <a:ea typeface="Malgun Gothic" panose="020B0503020000020004" pitchFamily="34" charset="-127"/>
+              </a:rPr>
+              <a:t> 사용해 데이터베이스 전체의 복사본을 얻을 수 있음</a:t>
+            </a:r>
+            <a:endParaRPr kumimoji="1" lang="en-US" altLang="ko-KR" b="1" dirty="0">
+              <a:solidFill>
+                <a:schemeClr val="tx1"/>
+              </a:solidFill>
+              <a:latin typeface="Malgun Gothic" panose="020B0503020000020004" pitchFamily="34" charset="-127"/>
+              <a:ea typeface="Malgun Gothic" panose="020B0503020000020004" pitchFamily="34" charset="-127"/>
+            </a:endParaRPr>
+          </a:p>
+          <a:p>
+            <a:pPr marL="285750" indent="-285750">
+              <a:buFont typeface="Arial" panose="020B0604020202020204" pitchFamily="34" charset="0"/>
+              <a:buChar char="•"/>
+            </a:pPr>
+            <a:r>
+              <a:rPr kumimoji="1" lang="ko-KR" altLang="en-US" sz="1400" dirty="0">
+                <a:solidFill>
+                  <a:schemeClr val="tx1"/>
+                </a:solidFill>
+                <a:latin typeface="Malgun Gothic" panose="020B0503020000020004" pitchFamily="34" charset="-127"/>
+                <a:ea typeface="Malgun Gothic" panose="020B0503020000020004" pitchFamily="34" charset="-127"/>
+              </a:rPr>
+              <a:t>초기에는 데이터베이스 전체 상태를 디스크를 보다 적게 사용하면서 </a:t>
+            </a:r>
+            <a:r>
+              <a:rPr kumimoji="1" lang="ko-KR" altLang="en-US" sz="1400" dirty="0" err="1">
+                <a:solidFill>
+                  <a:schemeClr val="tx1"/>
+                </a:solidFill>
+                <a:latin typeface="Malgun Gothic" panose="020B0503020000020004" pitchFamily="34" charset="-127"/>
+                <a:ea typeface="Malgun Gothic" panose="020B0503020000020004" pitchFamily="34" charset="-127"/>
+              </a:rPr>
+              <a:t>재구축에</a:t>
+            </a:r>
+            <a:r>
+              <a:rPr kumimoji="1" lang="ko-KR" altLang="en-US" sz="1400" dirty="0">
+                <a:solidFill>
+                  <a:schemeClr val="tx1"/>
+                </a:solidFill>
+                <a:latin typeface="Malgun Gothic" panose="020B0503020000020004" pitchFamily="34" charset="-127"/>
+                <a:ea typeface="Malgun Gothic" panose="020B0503020000020004" pitchFamily="34" charset="-127"/>
+              </a:rPr>
+              <a:t> 사용되는 시간 비용을 덜기 위해 일관성 있는 스냅숏을 사용했다 </a:t>
+            </a:r>
+            <a:r>
+              <a:rPr kumimoji="1" lang="en-US" altLang="ko-KR" sz="1400" dirty="0">
+                <a:solidFill>
+                  <a:schemeClr val="tx1"/>
+                </a:solidFill>
+                <a:latin typeface="Malgun Gothic" panose="020B0503020000020004" pitchFamily="34" charset="-127"/>
+                <a:ea typeface="Malgun Gothic" panose="020B0503020000020004" pitchFamily="34" charset="-127"/>
+              </a:rPr>
+              <a:t>(</a:t>
+            </a:r>
+            <a:r>
+              <a:rPr kumimoji="1" lang="ko-KR" altLang="en-US" sz="1400" dirty="0">
+                <a:solidFill>
+                  <a:schemeClr val="tx1"/>
+                </a:solidFill>
+                <a:latin typeface="Malgun Gothic" panose="020B0503020000020004" pitchFamily="34" charset="-127"/>
+                <a:ea typeface="Malgun Gothic" panose="020B0503020000020004" pitchFamily="34" charset="-127"/>
+              </a:rPr>
+              <a:t>새로운 파생 시스템 추가 때마다 스냅숏을 만들어야 함</a:t>
+            </a:r>
+            <a:r>
+              <a:rPr kumimoji="1" lang="en-US" altLang="ko-KR" sz="1400" dirty="0">
+                <a:solidFill>
+                  <a:schemeClr val="tx1"/>
+                </a:solidFill>
+                <a:latin typeface="Malgun Gothic" panose="020B0503020000020004" pitchFamily="34" charset="-127"/>
+                <a:ea typeface="Malgun Gothic" panose="020B0503020000020004" pitchFamily="34" charset="-127"/>
+              </a:rPr>
+              <a:t>)</a:t>
+            </a:r>
+          </a:p>
+          <a:p>
+            <a:pPr marL="285750" indent="-285750">
+              <a:buFont typeface="Arial" panose="020B0604020202020204" pitchFamily="34" charset="0"/>
+              <a:buChar char="•"/>
+            </a:pPr>
+            <a:r>
+              <a:rPr kumimoji="1" lang="en-US" altLang="ko-KR" sz="1400" dirty="0">
+                <a:solidFill>
+                  <a:schemeClr val="tx1"/>
+                </a:solidFill>
+                <a:latin typeface="Malgun Gothic" panose="020B0503020000020004" pitchFamily="34" charset="-127"/>
+                <a:ea typeface="Malgun Gothic" panose="020B0503020000020004" pitchFamily="34" charset="-127"/>
+              </a:rPr>
+              <a:t>CDC </a:t>
+            </a:r>
+            <a:r>
+              <a:rPr kumimoji="1" lang="ko-KR" altLang="en-US" sz="1400" dirty="0">
+                <a:solidFill>
+                  <a:schemeClr val="tx1"/>
+                </a:solidFill>
+                <a:latin typeface="Malgun Gothic" panose="020B0503020000020004" pitchFamily="34" charset="-127"/>
+                <a:ea typeface="Malgun Gothic" panose="020B0503020000020004" pitchFamily="34" charset="-127"/>
+              </a:rPr>
+              <a:t>시스템에서 모든 변경에 </a:t>
+            </a:r>
+            <a:r>
+              <a:rPr kumimoji="1" lang="ko-KR" altLang="en-US" sz="1400" dirty="0" err="1">
+                <a:solidFill>
+                  <a:schemeClr val="tx1"/>
+                </a:solidFill>
+                <a:latin typeface="Malgun Gothic" panose="020B0503020000020004" pitchFamily="34" charset="-127"/>
+                <a:ea typeface="Malgun Gothic" panose="020B0503020000020004" pitchFamily="34" charset="-127"/>
+              </a:rPr>
+              <a:t>기본키가</a:t>
+            </a:r>
+            <a:r>
+              <a:rPr kumimoji="1" lang="ko-KR" altLang="en-US" sz="1400" dirty="0">
+                <a:solidFill>
+                  <a:schemeClr val="tx1"/>
+                </a:solidFill>
+                <a:latin typeface="Malgun Gothic" panose="020B0503020000020004" pitchFamily="34" charset="-127"/>
+                <a:ea typeface="Malgun Gothic" panose="020B0503020000020004" pitchFamily="34" charset="-127"/>
+              </a:rPr>
+              <a:t> 포함되게 하고 키의 모든 갱신이 해당 키의 이전 값을 교체한다면 특정 키에 대해 최신 쓰기만 유지하면 충분</a:t>
+            </a:r>
+            <a:r>
+              <a:rPr kumimoji="1" lang="en-US" altLang="ko-KR" sz="1400" dirty="0">
+                <a:solidFill>
+                  <a:schemeClr val="tx1"/>
+                </a:solidFill>
+                <a:latin typeface="Malgun Gothic" panose="020B0503020000020004" pitchFamily="34" charset="-127"/>
+                <a:ea typeface="Malgun Gothic" panose="020B0503020000020004" pitchFamily="34" charset="-127"/>
+              </a:rPr>
+              <a:t>(</a:t>
+            </a:r>
+            <a:r>
+              <a:rPr kumimoji="1" lang="ko-KR" altLang="en-US" sz="1400" dirty="0" err="1">
+                <a:solidFill>
+                  <a:schemeClr val="tx1"/>
+                </a:solidFill>
+                <a:latin typeface="Malgun Gothic" panose="020B0503020000020004" pitchFamily="34" charset="-127"/>
+                <a:ea typeface="Malgun Gothic" panose="020B0503020000020004" pitchFamily="34" charset="-127"/>
+              </a:rPr>
+              <a:t>컴팩션과</a:t>
+            </a:r>
+            <a:r>
+              <a:rPr kumimoji="1" lang="ko-KR" altLang="en-US" sz="1400" dirty="0">
+                <a:solidFill>
+                  <a:schemeClr val="tx1"/>
+                </a:solidFill>
+                <a:latin typeface="Malgun Gothic" panose="020B0503020000020004" pitchFamily="34" charset="-127"/>
+                <a:ea typeface="Malgun Gothic" panose="020B0503020000020004" pitchFamily="34" charset="-127"/>
+              </a:rPr>
+              <a:t> 병합 과정</a:t>
+            </a:r>
+            <a:r>
+              <a:rPr kumimoji="1" lang="en-US" altLang="ko-KR" sz="1400" dirty="0">
+                <a:solidFill>
+                  <a:schemeClr val="tx1"/>
+                </a:solidFill>
+                <a:latin typeface="Malgun Gothic" panose="020B0503020000020004" pitchFamily="34" charset="-127"/>
+                <a:ea typeface="Malgun Gothic" panose="020B0503020000020004" pitchFamily="34" charset="-127"/>
+              </a:rPr>
+              <a:t>)</a:t>
+            </a:r>
+            <a:r>
+              <a:rPr kumimoji="1" lang="ko-KR" altLang="en-US" sz="1400" dirty="0">
+                <a:solidFill>
+                  <a:schemeClr val="tx1"/>
+                </a:solidFill>
+                <a:latin typeface="Malgun Gothic" panose="020B0503020000020004" pitchFamily="34" charset="-127"/>
+                <a:ea typeface="Malgun Gothic" panose="020B0503020000020004" pitchFamily="34" charset="-127"/>
+              </a:rPr>
+              <a:t>하고 파생 데이터 시스템을 재구축할 때마다 새 소비자는 </a:t>
+            </a:r>
+            <a:r>
+              <a:rPr kumimoji="1" lang="ko-KR" altLang="en-US" sz="1400" dirty="0" err="1">
+                <a:solidFill>
+                  <a:schemeClr val="tx1"/>
+                </a:solidFill>
+                <a:latin typeface="Malgun Gothic" panose="020B0503020000020004" pitchFamily="34" charset="-127"/>
+                <a:ea typeface="Malgun Gothic" panose="020B0503020000020004" pitchFamily="34" charset="-127"/>
+              </a:rPr>
+              <a:t>컴팩션된</a:t>
+            </a:r>
+            <a:r>
+              <a:rPr kumimoji="1" lang="ko-KR" altLang="en-US" sz="1400" dirty="0">
+                <a:solidFill>
+                  <a:schemeClr val="tx1"/>
+                </a:solidFill>
+                <a:latin typeface="Malgun Gothic" panose="020B0503020000020004" pitchFamily="34" charset="-127"/>
+                <a:ea typeface="Malgun Gothic" panose="020B0503020000020004" pitchFamily="34" charset="-127"/>
+              </a:rPr>
+              <a:t> 로그 토픽의 오프셋 </a:t>
+            </a:r>
+            <a:r>
+              <a:rPr kumimoji="1" lang="en-US" altLang="ko-KR" sz="1400" dirty="0">
+                <a:solidFill>
+                  <a:schemeClr val="tx1"/>
+                </a:solidFill>
+                <a:latin typeface="Malgun Gothic" panose="020B0503020000020004" pitchFamily="34" charset="-127"/>
+                <a:ea typeface="Malgun Gothic" panose="020B0503020000020004" pitchFamily="34" charset="-127"/>
+              </a:rPr>
+              <a:t>0</a:t>
+            </a:r>
+            <a:r>
+              <a:rPr kumimoji="1" lang="ko-KR" altLang="en-US" sz="1400" dirty="0" err="1">
+                <a:solidFill>
+                  <a:schemeClr val="tx1"/>
+                </a:solidFill>
+                <a:latin typeface="Malgun Gothic" panose="020B0503020000020004" pitchFamily="34" charset="-127"/>
+                <a:ea typeface="Malgun Gothic" panose="020B0503020000020004" pitchFamily="34" charset="-127"/>
+              </a:rPr>
+              <a:t>부터</a:t>
+            </a:r>
+            <a:r>
+              <a:rPr kumimoji="1" lang="ko-KR" altLang="en-US" sz="1400" dirty="0">
+                <a:solidFill>
+                  <a:schemeClr val="tx1"/>
+                </a:solidFill>
+                <a:latin typeface="Malgun Gothic" panose="020B0503020000020004" pitchFamily="34" charset="-127"/>
+                <a:ea typeface="Malgun Gothic" panose="020B0503020000020004" pitchFamily="34" charset="-127"/>
+              </a:rPr>
+              <a:t> 시작해서 순차적으로 데이터베이스의 모든 키를 스캔하면 됨</a:t>
+            </a:r>
+            <a:endParaRPr kumimoji="1" lang="en-US" altLang="ko-KR" sz="1400" dirty="0">
+              <a:solidFill>
+                <a:schemeClr val="tx1"/>
+              </a:solidFill>
+              <a:latin typeface="Malgun Gothic" panose="020B0503020000020004" pitchFamily="34" charset="-127"/>
+              <a:ea typeface="Malgun Gothic" panose="020B0503020000020004" pitchFamily="34" charset="-127"/>
+            </a:endParaRPr>
+          </a:p>
+          <a:p>
+            <a:pPr marL="285750" indent="-285750">
+              <a:buFont typeface="Arial" panose="020B0604020202020204" pitchFamily="34" charset="0"/>
+              <a:buChar char="•"/>
+            </a:pPr>
+            <a:r>
+              <a:rPr kumimoji="1" lang="ko-KR" altLang="en-US" sz="1400" dirty="0">
+                <a:solidFill>
+                  <a:schemeClr val="tx1"/>
+                </a:solidFill>
+                <a:latin typeface="Malgun Gothic" panose="020B0503020000020004" pitchFamily="34" charset="-127"/>
+                <a:ea typeface="Malgun Gothic" panose="020B0503020000020004" pitchFamily="34" charset="-127"/>
+              </a:rPr>
+              <a:t>로그에 데이터베이스에 있는 모든 키의 최신 값이 존재하는 것이 보장된다</a:t>
+            </a:r>
+            <a:r>
+              <a:rPr kumimoji="1" lang="en-US" altLang="ko-KR" sz="1400" dirty="0">
+                <a:solidFill>
+                  <a:schemeClr val="tx1"/>
+                </a:solidFill>
+                <a:latin typeface="Malgun Gothic" panose="020B0503020000020004" pitchFamily="34" charset="-127"/>
+                <a:ea typeface="Malgun Gothic" panose="020B0503020000020004" pitchFamily="34" charset="-127"/>
+              </a:rPr>
+              <a:t>, </a:t>
+            </a:r>
+            <a:r>
+              <a:rPr kumimoji="1" lang="ko-KR" altLang="en-US" sz="1400" dirty="0">
+                <a:solidFill>
+                  <a:schemeClr val="tx1"/>
+                </a:solidFill>
+                <a:latin typeface="Malgun Gothic" panose="020B0503020000020004" pitchFamily="34" charset="-127"/>
+                <a:ea typeface="Malgun Gothic" panose="020B0503020000020004" pitchFamily="34" charset="-127"/>
+              </a:rPr>
+              <a:t>즉 </a:t>
+            </a:r>
+            <a:r>
+              <a:rPr kumimoji="1" lang="en-US" altLang="ko-KR" sz="1400" dirty="0">
+                <a:solidFill>
+                  <a:schemeClr val="tx1"/>
+                </a:solidFill>
+                <a:latin typeface="Malgun Gothic" panose="020B0503020000020004" pitchFamily="34" charset="-127"/>
+                <a:ea typeface="Malgun Gothic" panose="020B0503020000020004" pitchFamily="34" charset="-127"/>
+              </a:rPr>
+              <a:t>CDC </a:t>
+            </a:r>
+            <a:r>
+              <a:rPr kumimoji="1" lang="ko-KR" altLang="en-US" sz="1400" dirty="0">
+                <a:solidFill>
+                  <a:schemeClr val="tx1"/>
+                </a:solidFill>
+                <a:latin typeface="Malgun Gothic" panose="020B0503020000020004" pitchFamily="34" charset="-127"/>
+                <a:ea typeface="Malgun Gothic" panose="020B0503020000020004" pitchFamily="34" charset="-127"/>
+              </a:rPr>
+              <a:t>원본 데이터베이스의 스냅숏을 만들지 않고도 데이터베이스 콘텐츠 전체의 복사본을 얻을 수 있음</a:t>
+            </a:r>
+            <a:endParaRPr kumimoji="1" lang="en-US" altLang="ko-KR" sz="1400" dirty="0">
+              <a:solidFill>
+                <a:schemeClr val="tx1"/>
+              </a:solidFill>
+              <a:latin typeface="Malgun Gothic" panose="020B0503020000020004" pitchFamily="34" charset="-127"/>
+              <a:ea typeface="Malgun Gothic" panose="020B0503020000020004" pitchFamily="34" charset="-127"/>
+            </a:endParaRPr>
+          </a:p>
+          <a:p>
+            <a:endParaRPr kumimoji="1" lang="en-US" altLang="ko-KR" sz="1400" dirty="0">
+              <a:solidFill>
+                <a:schemeClr val="tx1"/>
+              </a:solidFill>
+              <a:latin typeface="Malgun Gothic" panose="020B0503020000020004" pitchFamily="34" charset="-127"/>
+              <a:ea typeface="Malgun Gothic" panose="020B0503020000020004" pitchFamily="34" charset="-127"/>
+            </a:endParaRPr>
+          </a:p>
+          <a:p>
+            <a:endParaRPr kumimoji="1" lang="en-US" altLang="ko-KR" sz="1400" dirty="0">
+              <a:solidFill>
+                <a:schemeClr val="tx1"/>
+              </a:solidFill>
+              <a:latin typeface="Malgun Gothic" panose="020B0503020000020004" pitchFamily="34" charset="-127"/>
+              <a:ea typeface="Malgun Gothic" panose="020B0503020000020004" pitchFamily="34" charset="-127"/>
+            </a:endParaRPr>
+          </a:p>
+          <a:p>
+            <a:pPr marL="285750" indent="-285750">
+              <a:buFont typeface="Arial" panose="020B0604020202020204" pitchFamily="34" charset="0"/>
+              <a:buChar char="•"/>
+            </a:pPr>
+            <a:endParaRPr kumimoji="1" lang="en-US" altLang="ko-KR" sz="1400" dirty="0">
+              <a:solidFill>
+                <a:schemeClr val="tx1"/>
+              </a:solidFill>
+              <a:latin typeface="Malgun Gothic" panose="020B0503020000020004" pitchFamily="34" charset="-127"/>
+              <a:ea typeface="Malgun Gothic" panose="020B0503020000020004" pitchFamily="34" charset="-127"/>
+            </a:endParaRPr>
+          </a:p>
+          <a:p>
+            <a:pPr marL="1200150" lvl="2" indent="-285750">
+              <a:buFont typeface="Arial" panose="020B0604020202020204" pitchFamily="34" charset="0"/>
+              <a:buChar char="•"/>
+            </a:pPr>
+            <a:endParaRPr kumimoji="1" lang="en-US" altLang="ko-KR" sz="1400" dirty="0">
+              <a:solidFill>
+                <a:schemeClr val="tx1"/>
+              </a:solidFill>
+              <a:latin typeface="Malgun Gothic" panose="020B0503020000020004" pitchFamily="34" charset="-127"/>
+              <a:ea typeface="Malgun Gothic" panose="020B0503020000020004" pitchFamily="34" charset="-127"/>
+            </a:endParaRPr>
+          </a:p>
+          <a:p>
+            <a:endParaRPr kumimoji="1" lang="ko-Kore-KR" altLang="en-US" b="1" dirty="0">
+              <a:solidFill>
+                <a:schemeClr val="tx1"/>
+              </a:solidFill>
+              <a:latin typeface="Malgun Gothic" panose="020B0503020000020004" pitchFamily="34" charset="-127"/>
+              <a:ea typeface="Malgun Gothic" panose="020B0503020000020004" pitchFamily="34" charset="-127"/>
+            </a:endParaRPr>
+          </a:p>
+        </p:txBody>
+      </p:sp>
+    </p:spTree>
+    <p:extLst>
+      <p:ext uri="{BB962C8B-B14F-4D97-AF65-F5344CB8AC3E}">
+        <p14:creationId xmlns:p14="http://schemas.microsoft.com/office/powerpoint/2010/main" val="3472072613"/>
+      </p:ext>
+    </p:extLst>
+  </p:cSld>
+  <p:clrMapOvr>
+    <a:masterClrMapping/>
+  </p:clrMapOvr>
+</p:sld>
+</file>
+
+<file path=ppt/slides/slide8.xml><?xml version="1.0" encoding="utf-8"?>
+<p:sld xmlns:a="http://schemas.openxmlformats.org/drawingml/2006/main" xmlns:r="http://schemas.openxmlformats.org/officeDocument/2006/relationships" xmlns:p="http://schemas.openxmlformats.org/presentationml/2006/main">
+  <p:cSld>
+    <p:spTree>
+      <p:nvGrpSpPr>
+        <p:cNvPr id="1" name=""/>
+        <p:cNvGrpSpPr/>
+        <p:nvPr/>
+      </p:nvGrpSpPr>
+      <p:grpSpPr>
+        <a:xfrm>
+          <a:off x="0" y="0"/>
+          <a:ext cx="0" cy="0"/>
+          <a:chOff x="0" y="0"/>
+          <a:chExt cx="0" cy="0"/>
+        </a:xfrm>
+      </p:grpSpPr>
+      <p:sp>
+        <p:nvSpPr>
+          <p:cNvPr id="2" name="제목 1">
+            <a:extLst>
+              <a:ext uri="{FF2B5EF4-FFF2-40B4-BE49-F238E27FC236}">
+                <a16:creationId xmlns:a16="http://schemas.microsoft.com/office/drawing/2014/main" id="{6B6D9CD8-754E-F149-8807-FCD5B772F15F}"/>
+              </a:ext>
+            </a:extLst>
+          </p:cNvPr>
+          <p:cNvSpPr>
+            <a:spLocks noGrp="1"/>
+          </p:cNvSpPr>
+          <p:nvPr>
+            <p:ph type="title"/>
+          </p:nvPr>
+        </p:nvSpPr>
+        <p:spPr/>
+        <p:txBody>
+          <a:bodyPr/>
+          <a:lstStyle/>
+          <a:p>
+            <a:r>
+              <a:rPr kumimoji="1" lang="en-KR" altLang="en-US" dirty="0"/>
+              <a:t>상태와 스트림 그리고 불변성</a:t>
+            </a:r>
+            <a:endParaRPr kumimoji="1" lang="ko-Kore-KR" altLang="en-US" dirty="0"/>
+          </a:p>
+        </p:txBody>
+      </p:sp>
+      <p:sp>
+        <p:nvSpPr>
+          <p:cNvPr id="10" name="직사각형 20">
+            <a:extLst>
+              <a:ext uri="{FF2B5EF4-FFF2-40B4-BE49-F238E27FC236}">
+                <a16:creationId xmlns:a16="http://schemas.microsoft.com/office/drawing/2014/main" id="{AFA7DE59-AB1A-6744-BE33-AE4CC4EED7C7}"/>
+              </a:ext>
+            </a:extLst>
+          </p:cNvPr>
+          <p:cNvSpPr/>
+          <p:nvPr/>
+        </p:nvSpPr>
+        <p:spPr>
+          <a:xfrm>
+            <a:off x="838200" y="1152389"/>
+            <a:ext cx="10515599" cy="4882651"/>
+          </a:xfrm>
+          <a:prstGeom prst="rect">
+            <a:avLst/>
+          </a:prstGeom>
+          <a:noFill/>
+          <a:ln>
+            <a:noFill/>
+          </a:ln>
+        </p:spPr>
+        <p:style>
+          <a:lnRef idx="2">
+            <a:schemeClr val="accent6">
+              <a:shade val="50000"/>
+            </a:schemeClr>
+          </a:lnRef>
+          <a:fillRef idx="1">
+            <a:schemeClr val="accent6"/>
+          </a:fillRef>
+          <a:effectRef idx="0">
+            <a:schemeClr val="accent6"/>
+          </a:effectRef>
+          <a:fontRef idx="minor">
+            <a:schemeClr val="lt1"/>
+          </a:fontRef>
+        </p:style>
+        <p:txBody>
+          <a:bodyPr rtlCol="0" anchor="t"/>
+          <a:lstStyle/>
+          <a:p>
+            <a:r>
+              <a:rPr kumimoji="1" lang="en-US" altLang="en-US" b="1" dirty="0" err="1">
+                <a:solidFill>
+                  <a:schemeClr val="tx1"/>
+                </a:solidFill>
+                <a:latin typeface="Malgun Gothic" panose="020B0503020000020004" pitchFamily="34" charset="-127"/>
+                <a:ea typeface="Malgun Gothic" panose="020B0503020000020004" pitchFamily="34" charset="-127"/>
+              </a:rPr>
+              <a:t>현재</a:t>
+            </a:r>
+            <a:r>
+              <a:rPr kumimoji="1" lang="en-US" altLang="en-US" b="1" dirty="0">
+                <a:solidFill>
+                  <a:schemeClr val="tx1"/>
+                </a:solidFill>
+                <a:latin typeface="Malgun Gothic" panose="020B0503020000020004" pitchFamily="34" charset="-127"/>
+                <a:ea typeface="Malgun Gothic" panose="020B0503020000020004" pitchFamily="34" charset="-127"/>
+              </a:rPr>
+              <a:t> </a:t>
+            </a:r>
+            <a:r>
+              <a:rPr kumimoji="1" lang="en-US" altLang="en-US" b="1" dirty="0" err="1">
+                <a:solidFill>
+                  <a:schemeClr val="tx1"/>
+                </a:solidFill>
+                <a:latin typeface="Malgun Gothic" panose="020B0503020000020004" pitchFamily="34" charset="-127"/>
+                <a:ea typeface="Malgun Gothic" panose="020B0503020000020004" pitchFamily="34" charset="-127"/>
+              </a:rPr>
+              <a:t>애플리케이션</a:t>
+            </a:r>
+            <a:r>
+              <a:rPr kumimoji="1" lang="en-US" altLang="en-US" b="1" dirty="0">
+                <a:solidFill>
+                  <a:schemeClr val="tx1"/>
+                </a:solidFill>
+                <a:latin typeface="Malgun Gothic" panose="020B0503020000020004" pitchFamily="34" charset="-127"/>
+                <a:ea typeface="Malgun Gothic" panose="020B0503020000020004" pitchFamily="34" charset="-127"/>
+              </a:rPr>
+              <a:t> </a:t>
+            </a:r>
+            <a:r>
+              <a:rPr kumimoji="1" lang="en-US" altLang="en-US" b="1" dirty="0" err="1">
+                <a:solidFill>
+                  <a:schemeClr val="tx1"/>
+                </a:solidFill>
+                <a:latin typeface="Malgun Gothic" panose="020B0503020000020004" pitchFamily="34" charset="-127"/>
+                <a:ea typeface="Malgun Gothic" panose="020B0503020000020004" pitchFamily="34" charset="-127"/>
+              </a:rPr>
+              <a:t>상태와</a:t>
+            </a:r>
+            <a:r>
+              <a:rPr kumimoji="1" lang="en-US" altLang="en-US" b="1" dirty="0">
+                <a:solidFill>
+                  <a:schemeClr val="tx1"/>
+                </a:solidFill>
+                <a:latin typeface="Malgun Gothic" panose="020B0503020000020004" pitchFamily="34" charset="-127"/>
+                <a:ea typeface="Malgun Gothic" panose="020B0503020000020004" pitchFamily="34" charset="-127"/>
+              </a:rPr>
+              <a:t> </a:t>
+            </a:r>
+            <a:r>
+              <a:rPr kumimoji="1" lang="en-US" altLang="en-US" b="1" dirty="0" err="1">
+                <a:solidFill>
+                  <a:schemeClr val="tx1"/>
+                </a:solidFill>
+                <a:latin typeface="Malgun Gothic" panose="020B0503020000020004" pitchFamily="34" charset="-127"/>
+                <a:ea typeface="Malgun Gothic" panose="020B0503020000020004" pitchFamily="34" charset="-127"/>
+              </a:rPr>
+              <a:t>이벤트</a:t>
+            </a:r>
+            <a:r>
+              <a:rPr kumimoji="1" lang="en-US" altLang="en-US" b="1" dirty="0">
+                <a:solidFill>
+                  <a:schemeClr val="tx1"/>
+                </a:solidFill>
+                <a:latin typeface="Malgun Gothic" panose="020B0503020000020004" pitchFamily="34" charset="-127"/>
+                <a:ea typeface="Malgun Gothic" panose="020B0503020000020004" pitchFamily="34" charset="-127"/>
+              </a:rPr>
+              <a:t> </a:t>
+            </a:r>
+            <a:r>
+              <a:rPr kumimoji="1" lang="en-US" altLang="en-US" b="1" dirty="0" err="1">
+                <a:solidFill>
+                  <a:schemeClr val="tx1"/>
+                </a:solidFill>
+                <a:latin typeface="Malgun Gothic" panose="020B0503020000020004" pitchFamily="34" charset="-127"/>
+                <a:ea typeface="Malgun Gothic" panose="020B0503020000020004" pitchFamily="34" charset="-127"/>
+              </a:rPr>
+              <a:t>스트림</a:t>
+            </a:r>
+            <a:r>
+              <a:rPr kumimoji="1" lang="en-US" altLang="en-US" b="1" dirty="0">
+                <a:solidFill>
+                  <a:schemeClr val="tx1"/>
+                </a:solidFill>
+                <a:latin typeface="Malgun Gothic" panose="020B0503020000020004" pitchFamily="34" charset="-127"/>
+                <a:ea typeface="Malgun Gothic" panose="020B0503020000020004" pitchFamily="34" charset="-127"/>
+              </a:rPr>
+              <a:t> </a:t>
+            </a:r>
+            <a:r>
+              <a:rPr kumimoji="1" lang="en-US" altLang="en-US" b="1" dirty="0" err="1">
+                <a:solidFill>
+                  <a:schemeClr val="tx1"/>
+                </a:solidFill>
+                <a:latin typeface="Malgun Gothic" panose="020B0503020000020004" pitchFamily="34" charset="-127"/>
+                <a:ea typeface="Malgun Gothic" panose="020B0503020000020004" pitchFamily="34" charset="-127"/>
+              </a:rPr>
+              <a:t>간</a:t>
+            </a:r>
+            <a:r>
+              <a:rPr kumimoji="1" lang="en-US" altLang="en-US" b="1" dirty="0">
+                <a:solidFill>
+                  <a:schemeClr val="tx1"/>
+                </a:solidFill>
+                <a:latin typeface="Malgun Gothic" panose="020B0503020000020004" pitchFamily="34" charset="-127"/>
+                <a:ea typeface="Malgun Gothic" panose="020B0503020000020004" pitchFamily="34" charset="-127"/>
+              </a:rPr>
+              <a:t> </a:t>
+            </a:r>
+            <a:r>
+              <a:rPr kumimoji="1" lang="en-US" altLang="en-US" b="1" dirty="0" err="1">
+                <a:solidFill>
+                  <a:schemeClr val="tx1"/>
+                </a:solidFill>
+                <a:latin typeface="Malgun Gothic" panose="020B0503020000020004" pitchFamily="34" charset="-127"/>
+                <a:ea typeface="Malgun Gothic" panose="020B0503020000020004" pitchFamily="34" charset="-127"/>
+              </a:rPr>
+              <a:t>관계</a:t>
+            </a:r>
+            <a:endParaRPr kumimoji="1" lang="en-US" altLang="en-US" sz="1400" b="1" dirty="0">
+              <a:solidFill>
+                <a:schemeClr val="tx1"/>
+              </a:solidFill>
+              <a:latin typeface="Malgun Gothic" panose="020B0503020000020004" pitchFamily="34" charset="-127"/>
+              <a:ea typeface="Malgun Gothic" panose="020B0503020000020004" pitchFamily="34" charset="-127"/>
+            </a:endParaRPr>
+          </a:p>
+          <a:p>
+            <a:pPr marL="285750" indent="-285750">
+              <a:buFont typeface="Arial" panose="020B0604020202020204" pitchFamily="34" charset="0"/>
+              <a:buChar char="•"/>
+            </a:pPr>
+            <a:endParaRPr kumimoji="1" lang="en-KR" altLang="en-US" sz="1400" dirty="0">
+              <a:solidFill>
+                <a:schemeClr val="tx1"/>
+              </a:solidFill>
+              <a:latin typeface="Malgun Gothic" panose="020B0503020000020004" pitchFamily="34" charset="-127"/>
+              <a:ea typeface="Malgun Gothic" panose="020B0503020000020004" pitchFamily="34" charset="-127"/>
+            </a:endParaRPr>
+          </a:p>
+          <a:p>
+            <a:r>
+              <a:rPr kumimoji="1" lang="ko-KR" altLang="en-US" b="1" dirty="0">
+                <a:solidFill>
+                  <a:schemeClr val="tx1"/>
+                </a:solidFill>
+                <a:latin typeface="Malgun Gothic" panose="020B0503020000020004" pitchFamily="34" charset="-127"/>
+                <a:ea typeface="Malgun Gothic" panose="020B0503020000020004" pitchFamily="34" charset="-127"/>
+              </a:rPr>
+              <a:t>불변 이벤트의 장점</a:t>
+            </a:r>
+            <a:endParaRPr kumimoji="1" lang="en-US" altLang="ko-KR" b="1" dirty="0">
+              <a:solidFill>
+                <a:schemeClr val="tx1"/>
+              </a:solidFill>
+              <a:latin typeface="Malgun Gothic" panose="020B0503020000020004" pitchFamily="34" charset="-127"/>
+              <a:ea typeface="Malgun Gothic" panose="020B0503020000020004" pitchFamily="34" charset="-127"/>
+            </a:endParaRPr>
+          </a:p>
+          <a:p>
+            <a:endParaRPr kumimoji="1" lang="en-US" altLang="ko-KR" sz="1400" dirty="0">
+              <a:solidFill>
+                <a:schemeClr val="tx1"/>
+              </a:solidFill>
+              <a:latin typeface="Malgun Gothic" panose="020B0503020000020004" pitchFamily="34" charset="-127"/>
+              <a:ea typeface="Malgun Gothic" panose="020B0503020000020004" pitchFamily="34" charset="-127"/>
+            </a:endParaRPr>
+          </a:p>
+          <a:p>
+            <a:endParaRPr kumimoji="1" lang="en-US" altLang="ko-KR" sz="1400" dirty="0">
+              <a:solidFill>
+                <a:schemeClr val="tx1"/>
+              </a:solidFill>
+              <a:latin typeface="Malgun Gothic" panose="020B0503020000020004" pitchFamily="34" charset="-127"/>
+              <a:ea typeface="Malgun Gothic" panose="020B0503020000020004" pitchFamily="34" charset="-127"/>
+            </a:endParaRPr>
+          </a:p>
+          <a:p>
+            <a:pPr marL="285750" indent="-285750">
+              <a:buFont typeface="Arial" panose="020B0604020202020204" pitchFamily="34" charset="0"/>
+              <a:buChar char="•"/>
+            </a:pPr>
+            <a:endParaRPr kumimoji="1" lang="en-US" altLang="ko-KR" sz="1400" dirty="0">
+              <a:solidFill>
+                <a:schemeClr val="tx1"/>
+              </a:solidFill>
+              <a:latin typeface="Malgun Gothic" panose="020B0503020000020004" pitchFamily="34" charset="-127"/>
+              <a:ea typeface="Malgun Gothic" panose="020B0503020000020004" pitchFamily="34" charset="-127"/>
+            </a:endParaRPr>
+          </a:p>
+          <a:p>
+            <a:pPr marL="1200150" lvl="2" indent="-285750">
+              <a:buFont typeface="Arial" panose="020B0604020202020204" pitchFamily="34" charset="0"/>
+              <a:buChar char="•"/>
+            </a:pPr>
+            <a:endParaRPr kumimoji="1" lang="en-US" altLang="ko-KR" sz="1400" dirty="0">
+              <a:solidFill>
+                <a:schemeClr val="tx1"/>
+              </a:solidFill>
+              <a:latin typeface="Malgun Gothic" panose="020B0503020000020004" pitchFamily="34" charset="-127"/>
+              <a:ea typeface="Malgun Gothic" panose="020B0503020000020004" pitchFamily="34" charset="-127"/>
+            </a:endParaRPr>
+          </a:p>
+          <a:p>
+            <a:endParaRPr kumimoji="1" lang="ko-Kore-KR" altLang="en-US" b="1" dirty="0">
+              <a:solidFill>
+                <a:schemeClr val="tx1"/>
+              </a:solidFill>
+              <a:latin typeface="Malgun Gothic" panose="020B0503020000020004" pitchFamily="34" charset="-127"/>
+              <a:ea typeface="Malgun Gothic" panose="020B0503020000020004" pitchFamily="34" charset="-127"/>
+            </a:endParaRPr>
+          </a:p>
+        </p:txBody>
+      </p:sp>
+    </p:spTree>
+    <p:extLst>
+      <p:ext uri="{BB962C8B-B14F-4D97-AF65-F5344CB8AC3E}">
+        <p14:creationId xmlns:p14="http://schemas.microsoft.com/office/powerpoint/2010/main" val="1930301074"/>
       </p:ext>
     </p:extLst>
   </p:cSld>
